--- a/POCProjectSuite/Documents/TestCompletePOCPresentation.pptx
+++ b/POCProjectSuite/Documents/TestCompletePOCPresentation.pptx
@@ -9,9 +9,10 @@
     <p:sldId id="257" r:id="rId3"/>
     <p:sldId id="258" r:id="rId4"/>
     <p:sldId id="259" r:id="rId5"/>
-    <p:sldId id="260" r:id="rId6"/>
-    <p:sldId id="261" r:id="rId7"/>
-    <p:sldId id="262" r:id="rId8"/>
+    <p:sldId id="263" r:id="rId6"/>
+    <p:sldId id="260" r:id="rId7"/>
+    <p:sldId id="261" r:id="rId8"/>
+    <p:sldId id="262" r:id="rId9"/>
   </p:sldIdLst>
   <p:sldSz cx="12192000" cy="6858000"/>
   <p:notesSz cx="6858000" cy="9144000"/>
@@ -110,13 +111,18 @@
       </a:defRPr>
     </a:lvl9pPr>
   </p:defaultTextStyle>
+  <p:extLst>
+    <p:ext uri="{EFAFB233-063F-42B5-8137-9DF3F51BA10A}">
+      <p15:sldGuideLst xmlns:p15="http://schemas.microsoft.com/office/powerpoint/2012/main"/>
+    </p:ext>
+  </p:extLst>
 </p:presentation>
 </file>
 
 <file path=ppt/revisionInfo.xml><?xml version="1.0" encoding="utf-8"?>
 <p1510:revInfo xmlns:a="http://schemas.openxmlformats.org/drawingml/2006/main" xmlns:r="http://schemas.openxmlformats.org/officeDocument/2006/relationships" xmlns:p1510="http://schemas.microsoft.com/office/powerpoint/2015/10/main">
   <p1510:revLst>
-    <p1510:client id="{E74814FE-F8B0-4C75-AE50-A52B40D9AF52}" v="21" dt="2024-03-14T17:24:22.032"/>
+    <p1510:client id="{E74814FE-F8B0-4C75-AE50-A52B40D9AF52}" v="25" dt="2024-03-14T17:43:54.455"/>
   </p1510:revLst>
 </p1510:revInfo>
 </file>
@@ -126,7 +132,7 @@
   <pc:docChgLst>
     <pc:chgData name="srinaga penumarthi" userId="56e728ac2c354b87" providerId="LiveId" clId="{E74814FE-F8B0-4C75-AE50-A52B40D9AF52}"/>
     <pc:docChg chg="undo custSel addSld modSld">
-      <pc:chgData name="srinaga penumarthi" userId="56e728ac2c354b87" providerId="LiveId" clId="{E74814FE-F8B0-4C75-AE50-A52B40D9AF52}" dt="2024-03-14T17:34:39.685" v="247" actId="20577"/>
+      <pc:chgData name="srinaga penumarthi" userId="56e728ac2c354b87" providerId="LiveId" clId="{E74814FE-F8B0-4C75-AE50-A52B40D9AF52}" dt="2024-03-14T17:48:22.781" v="348" actId="113"/>
       <pc:docMkLst>
         <pc:docMk/>
       </pc:docMkLst>
@@ -514,6 +520,685 @@
             <ac:spMk id="2" creationId="{AA2B632D-6E08-C625-3E8C-368B60C0ECB3}"/>
           </ac:spMkLst>
         </pc:spChg>
+      </pc:sldChg>
+      <pc:sldChg chg="addSp delSp modSp new mod">
+        <pc:chgData name="srinaga penumarthi" userId="56e728ac2c354b87" providerId="LiveId" clId="{E74814FE-F8B0-4C75-AE50-A52B40D9AF52}" dt="2024-03-14T17:48:22.781" v="348" actId="113"/>
+        <pc:sldMkLst>
+          <pc:docMk/>
+          <pc:sldMk cId="2744418671" sldId="263"/>
+        </pc:sldMkLst>
+        <pc:spChg chg="mod">
+          <ac:chgData name="srinaga penumarthi" userId="56e728ac2c354b87" providerId="LiveId" clId="{E74814FE-F8B0-4C75-AE50-A52B40D9AF52}" dt="2024-03-14T17:48:22.781" v="348" actId="113"/>
+          <ac:spMkLst>
+            <pc:docMk/>
+            <pc:sldMk cId="2744418671" sldId="263"/>
+            <ac:spMk id="2" creationId="{F8BFE9BB-59B6-3323-B5E6-B0B70FC7710D}"/>
+          </ac:spMkLst>
+        </pc:spChg>
+        <pc:spChg chg="del">
+          <ac:chgData name="srinaga penumarthi" userId="56e728ac2c354b87" providerId="LiveId" clId="{E74814FE-F8B0-4C75-AE50-A52B40D9AF52}" dt="2024-03-14T17:43:50.253" v="252" actId="478"/>
+          <ac:spMkLst>
+            <pc:docMk/>
+            <pc:sldMk cId="2744418671" sldId="263"/>
+            <ac:spMk id="3" creationId="{7EEE6159-295E-CAD5-1F4A-E5D4D71C7693}"/>
+          </ac:spMkLst>
+        </pc:spChg>
+        <pc:spChg chg="add">
+          <ac:chgData name="srinaga penumarthi" userId="56e728ac2c354b87" providerId="LiveId" clId="{E74814FE-F8B0-4C75-AE50-A52B40D9AF52}" dt="2024-03-14T17:43:40.006" v="249"/>
+          <ac:spMkLst>
+            <pc:docMk/>
+            <pc:sldMk cId="2744418671" sldId="263"/>
+            <ac:spMk id="4" creationId="{F4A59140-F21D-5378-DAB6-EC2585C1577B}"/>
+          </ac:spMkLst>
+        </pc:spChg>
+        <pc:spChg chg="add">
+          <ac:chgData name="srinaga penumarthi" userId="56e728ac2c354b87" providerId="LiveId" clId="{E74814FE-F8B0-4C75-AE50-A52B40D9AF52}" dt="2024-03-14T17:43:40.006" v="249"/>
+          <ac:spMkLst>
+            <pc:docMk/>
+            <pc:sldMk cId="2744418671" sldId="263"/>
+            <ac:spMk id="5" creationId="{0592F6FD-DADB-407B-4291-5F07AB9BA279}"/>
+          </ac:spMkLst>
+        </pc:spChg>
+        <pc:spChg chg="add">
+          <ac:chgData name="srinaga penumarthi" userId="56e728ac2c354b87" providerId="LiveId" clId="{E74814FE-F8B0-4C75-AE50-A52B40D9AF52}" dt="2024-03-14T17:43:50.656" v="253"/>
+          <ac:spMkLst>
+            <pc:docMk/>
+            <pc:sldMk cId="2744418671" sldId="263"/>
+            <ac:spMk id="6" creationId="{1EC34226-C442-8C2D-E590-ACF1F6EDC974}"/>
+          </ac:spMkLst>
+        </pc:spChg>
+        <pc:spChg chg="add">
+          <ac:chgData name="srinaga penumarthi" userId="56e728ac2c354b87" providerId="LiveId" clId="{E74814FE-F8B0-4C75-AE50-A52B40D9AF52}" dt="2024-03-14T17:43:50.656" v="253"/>
+          <ac:spMkLst>
+            <pc:docMk/>
+            <pc:sldMk cId="2744418671" sldId="263"/>
+            <ac:spMk id="7" creationId="{06F16C5F-9692-570B-012D-B30F947C14A3}"/>
+          </ac:spMkLst>
+        </pc:spChg>
+        <pc:spChg chg="add mod">
+          <ac:chgData name="srinaga penumarthi" userId="56e728ac2c354b87" providerId="LiveId" clId="{E74814FE-F8B0-4C75-AE50-A52B40D9AF52}" dt="2024-03-14T17:47:54.447" v="266" actId="1076"/>
+          <ac:spMkLst>
+            <pc:docMk/>
+            <pc:sldMk cId="2744418671" sldId="263"/>
+            <ac:spMk id="9" creationId="{A8B34B85-9593-CB1D-069E-1E053C3E1146}"/>
+          </ac:spMkLst>
+        </pc:spChg>
+        <pc:picChg chg="add mod">
+          <ac:chgData name="srinaga penumarthi" userId="56e728ac2c354b87" providerId="LiveId" clId="{E74814FE-F8B0-4C75-AE50-A52B40D9AF52}" dt="2024-03-14T17:47:48.793" v="265" actId="14100"/>
+          <ac:picMkLst>
+            <pc:docMk/>
+            <pc:sldMk cId="2744418671" sldId="263"/>
+            <ac:picMk id="11" creationId="{67492864-E433-A61F-3613-1A74D4970839}"/>
+          </ac:picMkLst>
+        </pc:picChg>
+        <pc:picChg chg="add">
+          <ac:chgData name="srinaga penumarthi" userId="56e728ac2c354b87" providerId="LiveId" clId="{E74814FE-F8B0-4C75-AE50-A52B40D9AF52}" dt="2024-03-14T17:43:40.006" v="249"/>
+          <ac:picMkLst>
+            <pc:docMk/>
+            <pc:sldMk cId="2744418671" sldId="263"/>
+            <ac:picMk id="1026" creationId="{942CCAE6-86E5-2715-0423-DE8CA3E577B3}"/>
+          </ac:picMkLst>
+        </pc:picChg>
+        <pc:picChg chg="add">
+          <ac:chgData name="srinaga penumarthi" userId="56e728ac2c354b87" providerId="LiveId" clId="{E74814FE-F8B0-4C75-AE50-A52B40D9AF52}" dt="2024-03-14T17:43:40.006" v="249"/>
+          <ac:picMkLst>
+            <pc:docMk/>
+            <pc:sldMk cId="2744418671" sldId="263"/>
+            <ac:picMk id="1027" creationId="{C76C9F0F-B7C9-44BA-A8F5-A250772050E7}"/>
+          </ac:picMkLst>
+        </pc:picChg>
+        <pc:picChg chg="add">
+          <ac:chgData name="srinaga penumarthi" userId="56e728ac2c354b87" providerId="LiveId" clId="{E74814FE-F8B0-4C75-AE50-A52B40D9AF52}" dt="2024-03-14T17:43:40.006" v="249"/>
+          <ac:picMkLst>
+            <pc:docMk/>
+            <pc:sldMk cId="2744418671" sldId="263"/>
+            <ac:picMk id="1028" creationId="{B66A4503-F529-8BDB-FAB3-9C1E6D2CEAC3}"/>
+          </ac:picMkLst>
+        </pc:picChg>
+        <pc:picChg chg="add">
+          <ac:chgData name="srinaga penumarthi" userId="56e728ac2c354b87" providerId="LiveId" clId="{E74814FE-F8B0-4C75-AE50-A52B40D9AF52}" dt="2024-03-14T17:43:40.006" v="249"/>
+          <ac:picMkLst>
+            <pc:docMk/>
+            <pc:sldMk cId="2744418671" sldId="263"/>
+            <ac:picMk id="1029" creationId="{5A5EFFDE-0C09-7F7F-CCAF-2128C78F212F}"/>
+          </ac:picMkLst>
+        </pc:picChg>
+        <pc:picChg chg="add">
+          <ac:chgData name="srinaga penumarthi" userId="56e728ac2c354b87" providerId="LiveId" clId="{E74814FE-F8B0-4C75-AE50-A52B40D9AF52}" dt="2024-03-14T17:43:40.006" v="249"/>
+          <ac:picMkLst>
+            <pc:docMk/>
+            <pc:sldMk cId="2744418671" sldId="263"/>
+            <ac:picMk id="1030" creationId="{9E1FBEB3-F29C-AFFE-78ED-8AEDD933B9D5}"/>
+          </ac:picMkLst>
+        </pc:picChg>
+        <pc:picChg chg="add">
+          <ac:chgData name="srinaga penumarthi" userId="56e728ac2c354b87" providerId="LiveId" clId="{E74814FE-F8B0-4C75-AE50-A52B40D9AF52}" dt="2024-03-14T17:43:40.006" v="249"/>
+          <ac:picMkLst>
+            <pc:docMk/>
+            <pc:sldMk cId="2744418671" sldId="263"/>
+            <ac:picMk id="1031" creationId="{63E6FEC5-C972-A7F8-1899-2F09E2C95427}"/>
+          </ac:picMkLst>
+        </pc:picChg>
+        <pc:picChg chg="add">
+          <ac:chgData name="srinaga penumarthi" userId="56e728ac2c354b87" providerId="LiveId" clId="{E74814FE-F8B0-4C75-AE50-A52B40D9AF52}" dt="2024-03-14T17:43:40.006" v="249"/>
+          <ac:picMkLst>
+            <pc:docMk/>
+            <pc:sldMk cId="2744418671" sldId="263"/>
+            <ac:picMk id="1032" creationId="{F825EC4C-A0B9-75FE-FE4B-81D148C6AF02}"/>
+          </ac:picMkLst>
+        </pc:picChg>
+        <pc:picChg chg="add">
+          <ac:chgData name="srinaga penumarthi" userId="56e728ac2c354b87" providerId="LiveId" clId="{E74814FE-F8B0-4C75-AE50-A52B40D9AF52}" dt="2024-03-14T17:43:40.006" v="249"/>
+          <ac:picMkLst>
+            <pc:docMk/>
+            <pc:sldMk cId="2744418671" sldId="263"/>
+            <ac:picMk id="1033" creationId="{03309D43-90E7-83AC-5776-530EEFE3F888}"/>
+          </ac:picMkLst>
+        </pc:picChg>
+        <pc:picChg chg="add">
+          <ac:chgData name="srinaga penumarthi" userId="56e728ac2c354b87" providerId="LiveId" clId="{E74814FE-F8B0-4C75-AE50-A52B40D9AF52}" dt="2024-03-14T17:43:40.006" v="249"/>
+          <ac:picMkLst>
+            <pc:docMk/>
+            <pc:sldMk cId="2744418671" sldId="263"/>
+            <ac:picMk id="1034" creationId="{7663B723-7622-B055-50FF-F0F34DE57A47}"/>
+          </ac:picMkLst>
+        </pc:picChg>
+        <pc:picChg chg="add">
+          <ac:chgData name="srinaga penumarthi" userId="56e728ac2c354b87" providerId="LiveId" clId="{E74814FE-F8B0-4C75-AE50-A52B40D9AF52}" dt="2024-03-14T17:43:40.006" v="249"/>
+          <ac:picMkLst>
+            <pc:docMk/>
+            <pc:sldMk cId="2744418671" sldId="263"/>
+            <ac:picMk id="1035" creationId="{A10C36C5-2813-8AC8-DD9D-294B9074A309}"/>
+          </ac:picMkLst>
+        </pc:picChg>
+        <pc:picChg chg="add">
+          <ac:chgData name="srinaga penumarthi" userId="56e728ac2c354b87" providerId="LiveId" clId="{E74814FE-F8B0-4C75-AE50-A52B40D9AF52}" dt="2024-03-14T17:43:40.006" v="249"/>
+          <ac:picMkLst>
+            <pc:docMk/>
+            <pc:sldMk cId="2744418671" sldId="263"/>
+            <ac:picMk id="1036" creationId="{CC1DA7E4-12C3-FF91-4363-A2018B70C71A}"/>
+          </ac:picMkLst>
+        </pc:picChg>
+        <pc:picChg chg="add">
+          <ac:chgData name="srinaga penumarthi" userId="56e728ac2c354b87" providerId="LiveId" clId="{E74814FE-F8B0-4C75-AE50-A52B40D9AF52}" dt="2024-03-14T17:43:40.006" v="249"/>
+          <ac:picMkLst>
+            <pc:docMk/>
+            <pc:sldMk cId="2744418671" sldId="263"/>
+            <ac:picMk id="1037" creationId="{7BE49896-A08B-BDB2-132E-6282CE76191A}"/>
+          </ac:picMkLst>
+        </pc:picChg>
+        <pc:picChg chg="add">
+          <ac:chgData name="srinaga penumarthi" userId="56e728ac2c354b87" providerId="LiveId" clId="{E74814FE-F8B0-4C75-AE50-A52B40D9AF52}" dt="2024-03-14T17:43:40.006" v="249"/>
+          <ac:picMkLst>
+            <pc:docMk/>
+            <pc:sldMk cId="2744418671" sldId="263"/>
+            <ac:picMk id="1038" creationId="{641FB490-27F6-AB13-3259-FCFC30A54CF3}"/>
+          </ac:picMkLst>
+        </pc:picChg>
+        <pc:picChg chg="add">
+          <ac:chgData name="srinaga penumarthi" userId="56e728ac2c354b87" providerId="LiveId" clId="{E74814FE-F8B0-4C75-AE50-A52B40D9AF52}" dt="2024-03-14T17:43:40.006" v="249"/>
+          <ac:picMkLst>
+            <pc:docMk/>
+            <pc:sldMk cId="2744418671" sldId="263"/>
+            <ac:picMk id="1039" creationId="{1EE11800-E91D-3798-08A8-303839A3FF4B}"/>
+          </ac:picMkLst>
+        </pc:picChg>
+        <pc:picChg chg="add">
+          <ac:chgData name="srinaga penumarthi" userId="56e728ac2c354b87" providerId="LiveId" clId="{E74814FE-F8B0-4C75-AE50-A52B40D9AF52}" dt="2024-03-14T17:43:40.006" v="249"/>
+          <ac:picMkLst>
+            <pc:docMk/>
+            <pc:sldMk cId="2744418671" sldId="263"/>
+            <ac:picMk id="1040" creationId="{27A669F7-84A0-E240-E408-C71C312C01F9}"/>
+          </ac:picMkLst>
+        </pc:picChg>
+        <pc:picChg chg="add">
+          <ac:chgData name="srinaga penumarthi" userId="56e728ac2c354b87" providerId="LiveId" clId="{E74814FE-F8B0-4C75-AE50-A52B40D9AF52}" dt="2024-03-14T17:43:40.006" v="249"/>
+          <ac:picMkLst>
+            <pc:docMk/>
+            <pc:sldMk cId="2744418671" sldId="263"/>
+            <ac:picMk id="1041" creationId="{8ABEDFB4-422D-37F9-E728-167B651F6204}"/>
+          </ac:picMkLst>
+        </pc:picChg>
+        <pc:picChg chg="add">
+          <ac:chgData name="srinaga penumarthi" userId="56e728ac2c354b87" providerId="LiveId" clId="{E74814FE-F8B0-4C75-AE50-A52B40D9AF52}" dt="2024-03-14T17:43:40.006" v="249"/>
+          <ac:picMkLst>
+            <pc:docMk/>
+            <pc:sldMk cId="2744418671" sldId="263"/>
+            <ac:picMk id="1042" creationId="{B4C8BDF7-66F0-ED15-84A5-30692A8D4FDB}"/>
+          </ac:picMkLst>
+        </pc:picChg>
+        <pc:picChg chg="add">
+          <ac:chgData name="srinaga penumarthi" userId="56e728ac2c354b87" providerId="LiveId" clId="{E74814FE-F8B0-4C75-AE50-A52B40D9AF52}" dt="2024-03-14T17:43:40.006" v="249"/>
+          <ac:picMkLst>
+            <pc:docMk/>
+            <pc:sldMk cId="2744418671" sldId="263"/>
+            <ac:picMk id="1043" creationId="{93691E4D-C092-CD6F-92BE-FCF15704EED0}"/>
+          </ac:picMkLst>
+        </pc:picChg>
+        <pc:picChg chg="add">
+          <ac:chgData name="srinaga penumarthi" userId="56e728ac2c354b87" providerId="LiveId" clId="{E74814FE-F8B0-4C75-AE50-A52B40D9AF52}" dt="2024-03-14T17:43:40.006" v="249"/>
+          <ac:picMkLst>
+            <pc:docMk/>
+            <pc:sldMk cId="2744418671" sldId="263"/>
+            <ac:picMk id="1044" creationId="{1F93CB29-9435-7FE6-47EE-229F6C6A9E33}"/>
+          </ac:picMkLst>
+        </pc:picChg>
+        <pc:picChg chg="add">
+          <ac:chgData name="srinaga penumarthi" userId="56e728ac2c354b87" providerId="LiveId" clId="{E74814FE-F8B0-4C75-AE50-A52B40D9AF52}" dt="2024-03-14T17:43:40.006" v="249"/>
+          <ac:picMkLst>
+            <pc:docMk/>
+            <pc:sldMk cId="2744418671" sldId="263"/>
+            <ac:picMk id="1045" creationId="{776924AD-E919-EE03-AA94-04A36F310D1D}"/>
+          </ac:picMkLst>
+        </pc:picChg>
+        <pc:picChg chg="add">
+          <ac:chgData name="srinaga penumarthi" userId="56e728ac2c354b87" providerId="LiveId" clId="{E74814FE-F8B0-4C75-AE50-A52B40D9AF52}" dt="2024-03-14T17:43:40.006" v="249"/>
+          <ac:picMkLst>
+            <pc:docMk/>
+            <pc:sldMk cId="2744418671" sldId="263"/>
+            <ac:picMk id="1046" creationId="{FC2BE043-D80E-C088-D017-47A675C8DE9E}"/>
+          </ac:picMkLst>
+        </pc:picChg>
+        <pc:picChg chg="add">
+          <ac:chgData name="srinaga penumarthi" userId="56e728ac2c354b87" providerId="LiveId" clId="{E74814FE-F8B0-4C75-AE50-A52B40D9AF52}" dt="2024-03-14T17:43:40.006" v="249"/>
+          <ac:picMkLst>
+            <pc:docMk/>
+            <pc:sldMk cId="2744418671" sldId="263"/>
+            <ac:picMk id="1047" creationId="{A91320D5-DB8E-153F-E0B6-9D754BC1CBA4}"/>
+          </ac:picMkLst>
+        </pc:picChg>
+        <pc:picChg chg="add">
+          <ac:chgData name="srinaga penumarthi" userId="56e728ac2c354b87" providerId="LiveId" clId="{E74814FE-F8B0-4C75-AE50-A52B40D9AF52}" dt="2024-03-14T17:43:40.006" v="249"/>
+          <ac:picMkLst>
+            <pc:docMk/>
+            <pc:sldMk cId="2744418671" sldId="263"/>
+            <ac:picMk id="1048" creationId="{124F2F24-BCE3-557A-FDC0-92A571117FA9}"/>
+          </ac:picMkLst>
+        </pc:picChg>
+        <pc:picChg chg="add">
+          <ac:chgData name="srinaga penumarthi" userId="56e728ac2c354b87" providerId="LiveId" clId="{E74814FE-F8B0-4C75-AE50-A52B40D9AF52}" dt="2024-03-14T17:43:40.006" v="249"/>
+          <ac:picMkLst>
+            <pc:docMk/>
+            <pc:sldMk cId="2744418671" sldId="263"/>
+            <ac:picMk id="1049" creationId="{9E8E1AE0-C164-ECA5-463F-CC60934EFF01}"/>
+          </ac:picMkLst>
+        </pc:picChg>
+        <pc:picChg chg="add">
+          <ac:chgData name="srinaga penumarthi" userId="56e728ac2c354b87" providerId="LiveId" clId="{E74814FE-F8B0-4C75-AE50-A52B40D9AF52}" dt="2024-03-14T17:43:40.006" v="249"/>
+          <ac:picMkLst>
+            <pc:docMk/>
+            <pc:sldMk cId="2744418671" sldId="263"/>
+            <ac:picMk id="1050" creationId="{41B0DA2D-740C-F648-8902-97DD671C775A}"/>
+          </ac:picMkLst>
+        </pc:picChg>
+        <pc:picChg chg="add">
+          <ac:chgData name="srinaga penumarthi" userId="56e728ac2c354b87" providerId="LiveId" clId="{E74814FE-F8B0-4C75-AE50-A52B40D9AF52}" dt="2024-03-14T17:43:40.006" v="249"/>
+          <ac:picMkLst>
+            <pc:docMk/>
+            <pc:sldMk cId="2744418671" sldId="263"/>
+            <ac:picMk id="1051" creationId="{0D99742F-9EB0-BB68-A2C5-B16DFB0A8B4F}"/>
+          </ac:picMkLst>
+        </pc:picChg>
+        <pc:picChg chg="add">
+          <ac:chgData name="srinaga penumarthi" userId="56e728ac2c354b87" providerId="LiveId" clId="{E74814FE-F8B0-4C75-AE50-A52B40D9AF52}" dt="2024-03-14T17:43:40.006" v="249"/>
+          <ac:picMkLst>
+            <pc:docMk/>
+            <pc:sldMk cId="2744418671" sldId="263"/>
+            <ac:picMk id="1052" creationId="{1E0C97A3-072A-EA10-D478-486E61213574}"/>
+          </ac:picMkLst>
+        </pc:picChg>
+        <pc:picChg chg="add">
+          <ac:chgData name="srinaga penumarthi" userId="56e728ac2c354b87" providerId="LiveId" clId="{E74814FE-F8B0-4C75-AE50-A52B40D9AF52}" dt="2024-03-14T17:43:40.006" v="249"/>
+          <ac:picMkLst>
+            <pc:docMk/>
+            <pc:sldMk cId="2744418671" sldId="263"/>
+            <ac:picMk id="1053" creationId="{C7F7CD38-A918-298E-E853-6F4D0D45C4B0}"/>
+          </ac:picMkLst>
+        </pc:picChg>
+        <pc:picChg chg="add">
+          <ac:chgData name="srinaga penumarthi" userId="56e728ac2c354b87" providerId="LiveId" clId="{E74814FE-F8B0-4C75-AE50-A52B40D9AF52}" dt="2024-03-14T17:43:40.006" v="249"/>
+          <ac:picMkLst>
+            <pc:docMk/>
+            <pc:sldMk cId="2744418671" sldId="263"/>
+            <ac:picMk id="1054" creationId="{99DB5D0A-7D46-00ED-5EE6-4A45978004FC}"/>
+          </ac:picMkLst>
+        </pc:picChg>
+        <pc:picChg chg="add">
+          <ac:chgData name="srinaga penumarthi" userId="56e728ac2c354b87" providerId="LiveId" clId="{E74814FE-F8B0-4C75-AE50-A52B40D9AF52}" dt="2024-03-14T17:43:40.006" v="249"/>
+          <ac:picMkLst>
+            <pc:docMk/>
+            <pc:sldMk cId="2744418671" sldId="263"/>
+            <ac:picMk id="1055" creationId="{1092FA37-DBC2-9183-E736-B23691CE501E}"/>
+          </ac:picMkLst>
+        </pc:picChg>
+        <pc:picChg chg="add">
+          <ac:chgData name="srinaga penumarthi" userId="56e728ac2c354b87" providerId="LiveId" clId="{E74814FE-F8B0-4C75-AE50-A52B40D9AF52}" dt="2024-03-14T17:43:40.006" v="249"/>
+          <ac:picMkLst>
+            <pc:docMk/>
+            <pc:sldMk cId="2744418671" sldId="263"/>
+            <ac:picMk id="1056" creationId="{F75638C0-2664-AA56-93E5-D3E1751B440D}"/>
+          </ac:picMkLst>
+        </pc:picChg>
+        <pc:picChg chg="add">
+          <ac:chgData name="srinaga penumarthi" userId="56e728ac2c354b87" providerId="LiveId" clId="{E74814FE-F8B0-4C75-AE50-A52B40D9AF52}" dt="2024-03-14T17:43:40.006" v="249"/>
+          <ac:picMkLst>
+            <pc:docMk/>
+            <pc:sldMk cId="2744418671" sldId="263"/>
+            <ac:picMk id="1057" creationId="{0F3BA87A-2669-3880-8CC2-0B0E5EACC2FA}"/>
+          </ac:picMkLst>
+        </pc:picChg>
+        <pc:picChg chg="add">
+          <ac:chgData name="srinaga penumarthi" userId="56e728ac2c354b87" providerId="LiveId" clId="{E74814FE-F8B0-4C75-AE50-A52B40D9AF52}" dt="2024-03-14T17:43:40.006" v="249"/>
+          <ac:picMkLst>
+            <pc:docMk/>
+            <pc:sldMk cId="2744418671" sldId="263"/>
+            <ac:picMk id="1058" creationId="{BA284803-57C4-8ED1-9B22-56A1250DF9D6}"/>
+          </ac:picMkLst>
+        </pc:picChg>
+        <pc:picChg chg="add">
+          <ac:chgData name="srinaga penumarthi" userId="56e728ac2c354b87" providerId="LiveId" clId="{E74814FE-F8B0-4C75-AE50-A52B40D9AF52}" dt="2024-03-14T17:43:40.006" v="249"/>
+          <ac:picMkLst>
+            <pc:docMk/>
+            <pc:sldMk cId="2744418671" sldId="263"/>
+            <ac:picMk id="1059" creationId="{43D54041-C43B-339D-E571-65C5DE1814AE}"/>
+          </ac:picMkLst>
+        </pc:picChg>
+        <pc:picChg chg="add">
+          <ac:chgData name="srinaga penumarthi" userId="56e728ac2c354b87" providerId="LiveId" clId="{E74814FE-F8B0-4C75-AE50-A52B40D9AF52}" dt="2024-03-14T17:43:40.006" v="249"/>
+          <ac:picMkLst>
+            <pc:docMk/>
+            <pc:sldMk cId="2744418671" sldId="263"/>
+            <ac:picMk id="1060" creationId="{83958145-879E-9993-F985-79A840D6C234}"/>
+          </ac:picMkLst>
+        </pc:picChg>
+        <pc:picChg chg="add">
+          <ac:chgData name="srinaga penumarthi" userId="56e728ac2c354b87" providerId="LiveId" clId="{E74814FE-F8B0-4C75-AE50-A52B40D9AF52}" dt="2024-03-14T17:43:40.006" v="249"/>
+          <ac:picMkLst>
+            <pc:docMk/>
+            <pc:sldMk cId="2744418671" sldId="263"/>
+            <ac:picMk id="1061" creationId="{E89F2709-7F13-5CA3-ED78-896AE889E0E8}"/>
+          </ac:picMkLst>
+        </pc:picChg>
+        <pc:picChg chg="add">
+          <ac:chgData name="srinaga penumarthi" userId="56e728ac2c354b87" providerId="LiveId" clId="{E74814FE-F8B0-4C75-AE50-A52B40D9AF52}" dt="2024-03-14T17:43:40.006" v="249"/>
+          <ac:picMkLst>
+            <pc:docMk/>
+            <pc:sldMk cId="2744418671" sldId="263"/>
+            <ac:picMk id="1062" creationId="{B88168CA-3431-FF1D-5D8F-980EF9DA0406}"/>
+          </ac:picMkLst>
+        </pc:picChg>
+        <pc:picChg chg="add">
+          <ac:chgData name="srinaga penumarthi" userId="56e728ac2c354b87" providerId="LiveId" clId="{E74814FE-F8B0-4C75-AE50-A52B40D9AF52}" dt="2024-03-14T17:43:40.006" v="249"/>
+          <ac:picMkLst>
+            <pc:docMk/>
+            <pc:sldMk cId="2744418671" sldId="263"/>
+            <ac:picMk id="1063" creationId="{0210283B-A16E-D1FE-56FA-923FF084E971}"/>
+          </ac:picMkLst>
+        </pc:picChg>
+        <pc:picChg chg="add">
+          <ac:chgData name="srinaga penumarthi" userId="56e728ac2c354b87" providerId="LiveId" clId="{E74814FE-F8B0-4C75-AE50-A52B40D9AF52}" dt="2024-03-14T17:43:50.656" v="253"/>
+          <ac:picMkLst>
+            <pc:docMk/>
+            <pc:sldMk cId="2744418671" sldId="263"/>
+            <ac:picMk id="1066" creationId="{1C61BF36-11C8-00C3-A18A-A26DCBF8D53F}"/>
+          </ac:picMkLst>
+        </pc:picChg>
+        <pc:picChg chg="add">
+          <ac:chgData name="srinaga penumarthi" userId="56e728ac2c354b87" providerId="LiveId" clId="{E74814FE-F8B0-4C75-AE50-A52B40D9AF52}" dt="2024-03-14T17:43:50.656" v="253"/>
+          <ac:picMkLst>
+            <pc:docMk/>
+            <pc:sldMk cId="2744418671" sldId="263"/>
+            <ac:picMk id="1067" creationId="{E2536D73-B7CD-943D-C706-33D5DBCE4B59}"/>
+          </ac:picMkLst>
+        </pc:picChg>
+        <pc:picChg chg="add">
+          <ac:chgData name="srinaga penumarthi" userId="56e728ac2c354b87" providerId="LiveId" clId="{E74814FE-F8B0-4C75-AE50-A52B40D9AF52}" dt="2024-03-14T17:43:50.656" v="253"/>
+          <ac:picMkLst>
+            <pc:docMk/>
+            <pc:sldMk cId="2744418671" sldId="263"/>
+            <ac:picMk id="1068" creationId="{1F79D20E-9A64-D3DD-C59B-220334F8FC47}"/>
+          </ac:picMkLst>
+        </pc:picChg>
+        <pc:picChg chg="add">
+          <ac:chgData name="srinaga penumarthi" userId="56e728ac2c354b87" providerId="LiveId" clId="{E74814FE-F8B0-4C75-AE50-A52B40D9AF52}" dt="2024-03-14T17:43:50.656" v="253"/>
+          <ac:picMkLst>
+            <pc:docMk/>
+            <pc:sldMk cId="2744418671" sldId="263"/>
+            <ac:picMk id="1069" creationId="{582FB1F5-C92E-59DE-3BEC-E23871DB66E1}"/>
+          </ac:picMkLst>
+        </pc:picChg>
+        <pc:picChg chg="add">
+          <ac:chgData name="srinaga penumarthi" userId="56e728ac2c354b87" providerId="LiveId" clId="{E74814FE-F8B0-4C75-AE50-A52B40D9AF52}" dt="2024-03-14T17:43:50.656" v="253"/>
+          <ac:picMkLst>
+            <pc:docMk/>
+            <pc:sldMk cId="2744418671" sldId="263"/>
+            <ac:picMk id="1070" creationId="{0786730E-6ED0-B267-8758-7C19A30756C1}"/>
+          </ac:picMkLst>
+        </pc:picChg>
+        <pc:picChg chg="add">
+          <ac:chgData name="srinaga penumarthi" userId="56e728ac2c354b87" providerId="LiveId" clId="{E74814FE-F8B0-4C75-AE50-A52B40D9AF52}" dt="2024-03-14T17:43:50.656" v="253"/>
+          <ac:picMkLst>
+            <pc:docMk/>
+            <pc:sldMk cId="2744418671" sldId="263"/>
+            <ac:picMk id="1071" creationId="{AEB9FEB2-EBEB-CD07-FF0C-D70581DA97A4}"/>
+          </ac:picMkLst>
+        </pc:picChg>
+        <pc:picChg chg="add">
+          <ac:chgData name="srinaga penumarthi" userId="56e728ac2c354b87" providerId="LiveId" clId="{E74814FE-F8B0-4C75-AE50-A52B40D9AF52}" dt="2024-03-14T17:43:50.656" v="253"/>
+          <ac:picMkLst>
+            <pc:docMk/>
+            <pc:sldMk cId="2744418671" sldId="263"/>
+            <ac:picMk id="1072" creationId="{8B070744-83B2-2198-F9A1-32097003057E}"/>
+          </ac:picMkLst>
+        </pc:picChg>
+        <pc:picChg chg="add">
+          <ac:chgData name="srinaga penumarthi" userId="56e728ac2c354b87" providerId="LiveId" clId="{E74814FE-F8B0-4C75-AE50-A52B40D9AF52}" dt="2024-03-14T17:43:50.656" v="253"/>
+          <ac:picMkLst>
+            <pc:docMk/>
+            <pc:sldMk cId="2744418671" sldId="263"/>
+            <ac:picMk id="1073" creationId="{E396D12A-EF42-B822-3664-E9CEC6D73FD7}"/>
+          </ac:picMkLst>
+        </pc:picChg>
+        <pc:picChg chg="add">
+          <ac:chgData name="srinaga penumarthi" userId="56e728ac2c354b87" providerId="LiveId" clId="{E74814FE-F8B0-4C75-AE50-A52B40D9AF52}" dt="2024-03-14T17:43:50.656" v="253"/>
+          <ac:picMkLst>
+            <pc:docMk/>
+            <pc:sldMk cId="2744418671" sldId="263"/>
+            <ac:picMk id="1074" creationId="{5C4BC367-118A-B946-1817-CE9D0087506F}"/>
+          </ac:picMkLst>
+        </pc:picChg>
+        <pc:picChg chg="add">
+          <ac:chgData name="srinaga penumarthi" userId="56e728ac2c354b87" providerId="LiveId" clId="{E74814FE-F8B0-4C75-AE50-A52B40D9AF52}" dt="2024-03-14T17:43:50.656" v="253"/>
+          <ac:picMkLst>
+            <pc:docMk/>
+            <pc:sldMk cId="2744418671" sldId="263"/>
+            <ac:picMk id="1075" creationId="{991392B6-F2DF-509B-C047-A67DF9EB2DB1}"/>
+          </ac:picMkLst>
+        </pc:picChg>
+        <pc:picChg chg="add">
+          <ac:chgData name="srinaga penumarthi" userId="56e728ac2c354b87" providerId="LiveId" clId="{E74814FE-F8B0-4C75-AE50-A52B40D9AF52}" dt="2024-03-14T17:43:50.656" v="253"/>
+          <ac:picMkLst>
+            <pc:docMk/>
+            <pc:sldMk cId="2744418671" sldId="263"/>
+            <ac:picMk id="1076" creationId="{B4D1F400-8EFF-7ED8-E0BD-AFF6E86B7522}"/>
+          </ac:picMkLst>
+        </pc:picChg>
+        <pc:picChg chg="add">
+          <ac:chgData name="srinaga penumarthi" userId="56e728ac2c354b87" providerId="LiveId" clId="{E74814FE-F8B0-4C75-AE50-A52B40D9AF52}" dt="2024-03-14T17:43:50.656" v="253"/>
+          <ac:picMkLst>
+            <pc:docMk/>
+            <pc:sldMk cId="2744418671" sldId="263"/>
+            <ac:picMk id="1077" creationId="{AABB93F6-32CC-1650-4529-3F41C7CDF472}"/>
+          </ac:picMkLst>
+        </pc:picChg>
+        <pc:picChg chg="add">
+          <ac:chgData name="srinaga penumarthi" userId="56e728ac2c354b87" providerId="LiveId" clId="{E74814FE-F8B0-4C75-AE50-A52B40D9AF52}" dt="2024-03-14T17:43:50.656" v="253"/>
+          <ac:picMkLst>
+            <pc:docMk/>
+            <pc:sldMk cId="2744418671" sldId="263"/>
+            <ac:picMk id="1078" creationId="{BD1D7FEA-6524-4E4D-15D9-0580E1A64CBB}"/>
+          </ac:picMkLst>
+        </pc:picChg>
+        <pc:picChg chg="add">
+          <ac:chgData name="srinaga penumarthi" userId="56e728ac2c354b87" providerId="LiveId" clId="{E74814FE-F8B0-4C75-AE50-A52B40D9AF52}" dt="2024-03-14T17:43:50.656" v="253"/>
+          <ac:picMkLst>
+            <pc:docMk/>
+            <pc:sldMk cId="2744418671" sldId="263"/>
+            <ac:picMk id="1079" creationId="{D3374258-5FEE-66FA-1708-956F68F3F301}"/>
+          </ac:picMkLst>
+        </pc:picChg>
+        <pc:picChg chg="add">
+          <ac:chgData name="srinaga penumarthi" userId="56e728ac2c354b87" providerId="LiveId" clId="{E74814FE-F8B0-4C75-AE50-A52B40D9AF52}" dt="2024-03-14T17:43:50.656" v="253"/>
+          <ac:picMkLst>
+            <pc:docMk/>
+            <pc:sldMk cId="2744418671" sldId="263"/>
+            <ac:picMk id="1080" creationId="{0BB85C34-0D13-0BAF-FC09-EA952F3CA704}"/>
+          </ac:picMkLst>
+        </pc:picChg>
+        <pc:picChg chg="add">
+          <ac:chgData name="srinaga penumarthi" userId="56e728ac2c354b87" providerId="LiveId" clId="{E74814FE-F8B0-4C75-AE50-A52B40D9AF52}" dt="2024-03-14T17:43:50.656" v="253"/>
+          <ac:picMkLst>
+            <pc:docMk/>
+            <pc:sldMk cId="2744418671" sldId="263"/>
+            <ac:picMk id="1081" creationId="{6615FBB5-5AA4-23DE-E708-274D5D79A8ED}"/>
+          </ac:picMkLst>
+        </pc:picChg>
+        <pc:picChg chg="add">
+          <ac:chgData name="srinaga penumarthi" userId="56e728ac2c354b87" providerId="LiveId" clId="{E74814FE-F8B0-4C75-AE50-A52B40D9AF52}" dt="2024-03-14T17:43:50.656" v="253"/>
+          <ac:picMkLst>
+            <pc:docMk/>
+            <pc:sldMk cId="2744418671" sldId="263"/>
+            <ac:picMk id="1082" creationId="{F06A3197-2541-BD2D-A99F-B2FA313D94ED}"/>
+          </ac:picMkLst>
+        </pc:picChg>
+        <pc:picChg chg="add">
+          <ac:chgData name="srinaga penumarthi" userId="56e728ac2c354b87" providerId="LiveId" clId="{E74814FE-F8B0-4C75-AE50-A52B40D9AF52}" dt="2024-03-14T17:43:50.656" v="253"/>
+          <ac:picMkLst>
+            <pc:docMk/>
+            <pc:sldMk cId="2744418671" sldId="263"/>
+            <ac:picMk id="1083" creationId="{D91430A3-D8E0-C2A4-630F-5C8321836D11}"/>
+          </ac:picMkLst>
+        </pc:picChg>
+        <pc:picChg chg="add">
+          <ac:chgData name="srinaga penumarthi" userId="56e728ac2c354b87" providerId="LiveId" clId="{E74814FE-F8B0-4C75-AE50-A52B40D9AF52}" dt="2024-03-14T17:43:50.656" v="253"/>
+          <ac:picMkLst>
+            <pc:docMk/>
+            <pc:sldMk cId="2744418671" sldId="263"/>
+            <ac:picMk id="1084" creationId="{174C8730-8FC4-7590-A27E-51952C94BFC2}"/>
+          </ac:picMkLst>
+        </pc:picChg>
+        <pc:picChg chg="add">
+          <ac:chgData name="srinaga penumarthi" userId="56e728ac2c354b87" providerId="LiveId" clId="{E74814FE-F8B0-4C75-AE50-A52B40D9AF52}" dt="2024-03-14T17:43:50.656" v="253"/>
+          <ac:picMkLst>
+            <pc:docMk/>
+            <pc:sldMk cId="2744418671" sldId="263"/>
+            <ac:picMk id="1085" creationId="{3767C540-043C-1714-7758-041419D87C5F}"/>
+          </ac:picMkLst>
+        </pc:picChg>
+        <pc:picChg chg="add">
+          <ac:chgData name="srinaga penumarthi" userId="56e728ac2c354b87" providerId="LiveId" clId="{E74814FE-F8B0-4C75-AE50-A52B40D9AF52}" dt="2024-03-14T17:43:50.656" v="253"/>
+          <ac:picMkLst>
+            <pc:docMk/>
+            <pc:sldMk cId="2744418671" sldId="263"/>
+            <ac:picMk id="1086" creationId="{DBC1CBE1-2327-4C61-2869-132C61D9E375}"/>
+          </ac:picMkLst>
+        </pc:picChg>
+        <pc:picChg chg="add">
+          <ac:chgData name="srinaga penumarthi" userId="56e728ac2c354b87" providerId="LiveId" clId="{E74814FE-F8B0-4C75-AE50-A52B40D9AF52}" dt="2024-03-14T17:43:50.656" v="253"/>
+          <ac:picMkLst>
+            <pc:docMk/>
+            <pc:sldMk cId="2744418671" sldId="263"/>
+            <ac:picMk id="1087" creationId="{7C4665B7-F9B9-A040-7598-6446A84A163A}"/>
+          </ac:picMkLst>
+        </pc:picChg>
+        <pc:picChg chg="add">
+          <ac:chgData name="srinaga penumarthi" userId="56e728ac2c354b87" providerId="LiveId" clId="{E74814FE-F8B0-4C75-AE50-A52B40D9AF52}" dt="2024-03-14T17:43:50.656" v="253"/>
+          <ac:picMkLst>
+            <pc:docMk/>
+            <pc:sldMk cId="2744418671" sldId="263"/>
+            <ac:picMk id="1088" creationId="{AA18C2FF-DE51-D4D3-FE87-73181DB814E1}"/>
+          </ac:picMkLst>
+        </pc:picChg>
+        <pc:picChg chg="add">
+          <ac:chgData name="srinaga penumarthi" userId="56e728ac2c354b87" providerId="LiveId" clId="{E74814FE-F8B0-4C75-AE50-A52B40D9AF52}" dt="2024-03-14T17:43:50.656" v="253"/>
+          <ac:picMkLst>
+            <pc:docMk/>
+            <pc:sldMk cId="2744418671" sldId="263"/>
+            <ac:picMk id="1089" creationId="{F2701454-E453-7817-F6A8-BA9098AD5C97}"/>
+          </ac:picMkLst>
+        </pc:picChg>
+        <pc:picChg chg="add">
+          <ac:chgData name="srinaga penumarthi" userId="56e728ac2c354b87" providerId="LiveId" clId="{E74814FE-F8B0-4C75-AE50-A52B40D9AF52}" dt="2024-03-14T17:43:50.656" v="253"/>
+          <ac:picMkLst>
+            <pc:docMk/>
+            <pc:sldMk cId="2744418671" sldId="263"/>
+            <ac:picMk id="1090" creationId="{F1E38125-9712-A161-5BB5-5DE608435847}"/>
+          </ac:picMkLst>
+        </pc:picChg>
+        <pc:picChg chg="add">
+          <ac:chgData name="srinaga penumarthi" userId="56e728ac2c354b87" providerId="LiveId" clId="{E74814FE-F8B0-4C75-AE50-A52B40D9AF52}" dt="2024-03-14T17:43:50.656" v="253"/>
+          <ac:picMkLst>
+            <pc:docMk/>
+            <pc:sldMk cId="2744418671" sldId="263"/>
+            <ac:picMk id="1091" creationId="{44F8D935-BE8C-79F2-C1B9-821489766665}"/>
+          </ac:picMkLst>
+        </pc:picChg>
+        <pc:picChg chg="add">
+          <ac:chgData name="srinaga penumarthi" userId="56e728ac2c354b87" providerId="LiveId" clId="{E74814FE-F8B0-4C75-AE50-A52B40D9AF52}" dt="2024-03-14T17:43:50.656" v="253"/>
+          <ac:picMkLst>
+            <pc:docMk/>
+            <pc:sldMk cId="2744418671" sldId="263"/>
+            <ac:picMk id="1092" creationId="{C69D54E8-2E67-9638-DA90-9660858DCC80}"/>
+          </ac:picMkLst>
+        </pc:picChg>
+        <pc:picChg chg="add">
+          <ac:chgData name="srinaga penumarthi" userId="56e728ac2c354b87" providerId="LiveId" clId="{E74814FE-F8B0-4C75-AE50-A52B40D9AF52}" dt="2024-03-14T17:43:50.656" v="253"/>
+          <ac:picMkLst>
+            <pc:docMk/>
+            <pc:sldMk cId="2744418671" sldId="263"/>
+            <ac:picMk id="1093" creationId="{548CCD79-5C61-D12E-6521-D2793FDC609A}"/>
+          </ac:picMkLst>
+        </pc:picChg>
+        <pc:picChg chg="add">
+          <ac:chgData name="srinaga penumarthi" userId="56e728ac2c354b87" providerId="LiveId" clId="{E74814FE-F8B0-4C75-AE50-A52B40D9AF52}" dt="2024-03-14T17:43:50.656" v="253"/>
+          <ac:picMkLst>
+            <pc:docMk/>
+            <pc:sldMk cId="2744418671" sldId="263"/>
+            <ac:picMk id="1094" creationId="{F2E79258-EA89-3389-8CD4-DADB9DC1C0E5}"/>
+          </ac:picMkLst>
+        </pc:picChg>
+        <pc:picChg chg="add">
+          <ac:chgData name="srinaga penumarthi" userId="56e728ac2c354b87" providerId="LiveId" clId="{E74814FE-F8B0-4C75-AE50-A52B40D9AF52}" dt="2024-03-14T17:43:50.656" v="253"/>
+          <ac:picMkLst>
+            <pc:docMk/>
+            <pc:sldMk cId="2744418671" sldId="263"/>
+            <ac:picMk id="1095" creationId="{3CD4B9EB-0630-EA9F-B59C-96771A4F2DFD}"/>
+          </ac:picMkLst>
+        </pc:picChg>
+        <pc:picChg chg="add">
+          <ac:chgData name="srinaga penumarthi" userId="56e728ac2c354b87" providerId="LiveId" clId="{E74814FE-F8B0-4C75-AE50-A52B40D9AF52}" dt="2024-03-14T17:43:50.656" v="253"/>
+          <ac:picMkLst>
+            <pc:docMk/>
+            <pc:sldMk cId="2744418671" sldId="263"/>
+            <ac:picMk id="1096" creationId="{CE542C33-A631-4DFD-DED3-A241DF6D96AD}"/>
+          </ac:picMkLst>
+        </pc:picChg>
+        <pc:picChg chg="add">
+          <ac:chgData name="srinaga penumarthi" userId="56e728ac2c354b87" providerId="LiveId" clId="{E74814FE-F8B0-4C75-AE50-A52B40D9AF52}" dt="2024-03-14T17:43:50.656" v="253"/>
+          <ac:picMkLst>
+            <pc:docMk/>
+            <pc:sldMk cId="2744418671" sldId="263"/>
+            <ac:picMk id="1097" creationId="{E1052027-6E7B-13DB-0136-505EB8F59574}"/>
+          </ac:picMkLst>
+        </pc:picChg>
+        <pc:picChg chg="add">
+          <ac:chgData name="srinaga penumarthi" userId="56e728ac2c354b87" providerId="LiveId" clId="{E74814FE-F8B0-4C75-AE50-A52B40D9AF52}" dt="2024-03-14T17:43:50.656" v="253"/>
+          <ac:picMkLst>
+            <pc:docMk/>
+            <pc:sldMk cId="2744418671" sldId="263"/>
+            <ac:picMk id="1098" creationId="{D4431DD1-D909-1E3F-94B8-264BB3A4FF8C}"/>
+          </ac:picMkLst>
+        </pc:picChg>
+        <pc:picChg chg="add">
+          <ac:chgData name="srinaga penumarthi" userId="56e728ac2c354b87" providerId="LiveId" clId="{E74814FE-F8B0-4C75-AE50-A52B40D9AF52}" dt="2024-03-14T17:43:50.656" v="253"/>
+          <ac:picMkLst>
+            <pc:docMk/>
+            <pc:sldMk cId="2744418671" sldId="263"/>
+            <ac:picMk id="1099" creationId="{315BAA01-AA63-2DF4-06EB-751133AD36C4}"/>
+          </ac:picMkLst>
+        </pc:picChg>
+        <pc:picChg chg="add">
+          <ac:chgData name="srinaga penumarthi" userId="56e728ac2c354b87" providerId="LiveId" clId="{E74814FE-F8B0-4C75-AE50-A52B40D9AF52}" dt="2024-03-14T17:43:50.656" v="253"/>
+          <ac:picMkLst>
+            <pc:docMk/>
+            <pc:sldMk cId="2744418671" sldId="263"/>
+            <ac:picMk id="1100" creationId="{6947044A-A8B1-BF10-A21C-AE3522C14717}"/>
+          </ac:picMkLst>
+        </pc:picChg>
+        <pc:picChg chg="add">
+          <ac:chgData name="srinaga penumarthi" userId="56e728ac2c354b87" providerId="LiveId" clId="{E74814FE-F8B0-4C75-AE50-A52B40D9AF52}" dt="2024-03-14T17:43:50.656" v="253"/>
+          <ac:picMkLst>
+            <pc:docMk/>
+            <pc:sldMk cId="2744418671" sldId="263"/>
+            <ac:picMk id="1101" creationId="{DF24E487-217D-F0E1-88E3-254DCBF57CAF}"/>
+          </ac:picMkLst>
+        </pc:picChg>
+        <pc:picChg chg="add">
+          <ac:chgData name="srinaga penumarthi" userId="56e728ac2c354b87" providerId="LiveId" clId="{E74814FE-F8B0-4C75-AE50-A52B40D9AF52}" dt="2024-03-14T17:43:50.656" v="253"/>
+          <ac:picMkLst>
+            <pc:docMk/>
+            <pc:sldMk cId="2744418671" sldId="263"/>
+            <ac:picMk id="1102" creationId="{4440BFCE-66EF-2EF5-B4E8-CA714813DC11}"/>
+          </ac:picMkLst>
+        </pc:picChg>
+        <pc:picChg chg="add">
+          <ac:chgData name="srinaga penumarthi" userId="56e728ac2c354b87" providerId="LiveId" clId="{E74814FE-F8B0-4C75-AE50-A52B40D9AF52}" dt="2024-03-14T17:43:50.656" v="253"/>
+          <ac:picMkLst>
+            <pc:docMk/>
+            <pc:sldMk cId="2744418671" sldId="263"/>
+            <ac:picMk id="1103" creationId="{C9376462-C29F-D30C-4A85-2CBDB8EC9145}"/>
+          </ac:picMkLst>
+        </pc:picChg>
       </pc:sldChg>
     </pc:docChg>
   </pc:docChgLst>
@@ -4416,7 +5101,7 @@
           <p:cNvPr id="2" name="Title 1">
             <a:extLst>
               <a:ext uri="{FF2B5EF4-FFF2-40B4-BE49-F238E27FC236}">
-                <a16:creationId xmlns:a16="http://schemas.microsoft.com/office/drawing/2014/main" id="{7A3DB74D-AE58-A949-9264-D0C83406CDDA}"/>
+                <a16:creationId xmlns:a16="http://schemas.microsoft.com/office/drawing/2014/main" id="{F8BFE9BB-59B6-3323-B5E6-B0B70FC7710D}"/>
               </a:ext>
             </a:extLst>
           </p:cNvPr>
@@ -4427,51 +5112,135 @@
             <p:ph type="title"/>
           </p:nvPr>
         </p:nvSpPr>
-        <p:spPr/>
-        <p:txBody>
-          <a:bodyPr/>
-          <a:lstStyle/>
-          <a:p>
-            <a:r>
-              <a:rPr lang="en-US" dirty="0" err="1"/>
+        <p:spPr>
+          <a:xfrm>
+            <a:off x="838200" y="76912"/>
+            <a:ext cx="10515600" cy="443206"/>
+          </a:xfrm>
+        </p:spPr>
+        <p:txBody>
+          <a:bodyPr>
+            <a:noAutofit/>
+          </a:bodyPr>
+          <a:lstStyle/>
+          <a:p>
+            <a:r>
+              <a:rPr lang="en-US" sz="2800" b="1" dirty="0" err="1"/>
               <a:t>TestComplete</a:t>
             </a:r>
             <a:r>
-              <a:rPr lang="en-US" dirty="0"/>
-              <a:t> Report Screenshots</a:t>
-            </a:r>
-          </a:p>
-        </p:txBody>
-      </p:sp>
-      <p:sp>
-        <p:nvSpPr>
-          <p:cNvPr id="3" name="Content Placeholder 2">
-            <a:extLst>
-              <a:ext uri="{FF2B5EF4-FFF2-40B4-BE49-F238E27FC236}">
-                <a16:creationId xmlns:a16="http://schemas.microsoft.com/office/drawing/2014/main" id="{F09B5BDE-B96C-6D21-8DD1-FC2043078579}"/>
-              </a:ext>
-            </a:extLst>
-          </p:cNvPr>
-          <p:cNvSpPr>
-            <a:spLocks noGrp="1"/>
-          </p:cNvSpPr>
-          <p:nvPr>
-            <p:ph idx="1"/>
-          </p:nvPr>
-        </p:nvSpPr>
-        <p:spPr/>
-        <p:txBody>
-          <a:bodyPr/>
-          <a:lstStyle/>
-          <a:p>
-            <a:endParaRPr lang="en-US"/>
-          </a:p>
-        </p:txBody>
-      </p:sp>
+              <a:rPr lang="en-US" sz="2800" b="1" dirty="0"/>
+              <a:t> – UI Technologies covered in Object Recognition</a:t>
+            </a:r>
+          </a:p>
+        </p:txBody>
+      </p:sp>
+      <p:sp>
+        <p:nvSpPr>
+          <p:cNvPr id="9" name="TextBox 8">
+            <a:extLst>
+              <a:ext uri="{FF2B5EF4-FFF2-40B4-BE49-F238E27FC236}">
+                <a16:creationId xmlns:a16="http://schemas.microsoft.com/office/drawing/2014/main" id="{A8B34B85-9593-CB1D-069E-1E053C3E1146}"/>
+              </a:ext>
+            </a:extLst>
+          </p:cNvPr>
+          <p:cNvSpPr txBox="1"/>
+          <p:nvPr/>
+        </p:nvSpPr>
+        <p:spPr>
+          <a:xfrm>
+            <a:off x="535536" y="817494"/>
+            <a:ext cx="10920369" cy="523220"/>
+          </a:xfrm>
+          <a:prstGeom prst="rect">
+            <a:avLst/>
+          </a:prstGeom>
+          <a:noFill/>
+        </p:spPr>
+        <p:txBody>
+          <a:bodyPr wrap="square">
+            <a:spAutoFit/>
+          </a:bodyPr>
+          <a:lstStyle/>
+          <a:p>
+            <a:r>
+              <a:rPr lang="en-US" sz="1400" b="0" i="0" dirty="0" err="1">
+                <a:solidFill>
+                  <a:srgbClr val="758491"/>
+                </a:solidFill>
+                <a:effectLst/>
+                <a:latin typeface="Open Sans" panose="020B0606030504020204" pitchFamily="34" charset="0"/>
+              </a:rPr>
+              <a:t>TestComplete</a:t>
+            </a:r>
+            <a:r>
+              <a:rPr lang="en-US" sz="1400" b="0" i="0" dirty="0">
+                <a:solidFill>
+                  <a:srgbClr val="758491"/>
+                </a:solidFill>
+                <a:effectLst/>
+                <a:latin typeface="Open Sans" panose="020B0606030504020204" pitchFamily="34" charset="0"/>
+              </a:rPr>
+              <a:t> allows you to manipulate individual UI objects rather than clicking on screen coordinates. </a:t>
+            </a:r>
+            <a:r>
+              <a:rPr lang="en-US" sz="1400" b="0" i="0" dirty="0" err="1">
+                <a:solidFill>
+                  <a:srgbClr val="758491"/>
+                </a:solidFill>
+                <a:effectLst/>
+                <a:latin typeface="Open Sans" panose="020B0606030504020204" pitchFamily="34" charset="0"/>
+              </a:rPr>
+              <a:t>TestComplete</a:t>
+            </a:r>
+            <a:r>
+              <a:rPr lang="en-US" sz="1400" b="0" i="0" dirty="0">
+                <a:solidFill>
+                  <a:srgbClr val="758491"/>
+                </a:solidFill>
+                <a:effectLst/>
+                <a:latin typeface="Open Sans" panose="020B0606030504020204" pitchFamily="34" charset="0"/>
+              </a:rPr>
+              <a:t> recognizes standard Windows, .NET, Java, Web and RIA controls as well as popular third-party UI control libraries.</a:t>
+            </a:r>
+            <a:endParaRPr lang="en-US" sz="1400" dirty="0"/>
+          </a:p>
+        </p:txBody>
+      </p:sp>
+      <p:pic>
+        <p:nvPicPr>
+          <p:cNvPr id="11" name="Picture 10">
+            <a:extLst>
+              <a:ext uri="{FF2B5EF4-FFF2-40B4-BE49-F238E27FC236}">
+                <a16:creationId xmlns:a16="http://schemas.microsoft.com/office/drawing/2014/main" id="{67492864-E433-A61F-3613-1A74D4970839}"/>
+              </a:ext>
+            </a:extLst>
+          </p:cNvPr>
+          <p:cNvPicPr>
+            <a:picLocks noChangeAspect="1"/>
+          </p:cNvPicPr>
+          <p:nvPr/>
+        </p:nvPicPr>
+        <p:blipFill>
+          <a:blip r:embed="rId2"/>
+          <a:stretch>
+            <a:fillRect/>
+          </a:stretch>
+        </p:blipFill>
+        <p:spPr>
+          <a:xfrm>
+            <a:off x="664827" y="1340714"/>
+            <a:ext cx="10991637" cy="5265186"/>
+          </a:xfrm>
+          <a:prstGeom prst="rect">
+            <a:avLst/>
+          </a:prstGeom>
+        </p:spPr>
+      </p:pic>
     </p:spTree>
     <p:extLst>
       <p:ext uri="{BB962C8B-B14F-4D97-AF65-F5344CB8AC3E}">
-        <p14:creationId xmlns:p14="http://schemas.microsoft.com/office/powerpoint/2010/main" val="4165668162"/>
+        <p14:creationId xmlns:p14="http://schemas.microsoft.com/office/powerpoint/2010/main" val="2744418671"/>
       </p:ext>
     </p:extLst>
   </p:cSld>
@@ -4503,6 +5272,93 @@
           <p:cNvPr id="2" name="Title 1">
             <a:extLst>
               <a:ext uri="{FF2B5EF4-FFF2-40B4-BE49-F238E27FC236}">
+                <a16:creationId xmlns:a16="http://schemas.microsoft.com/office/drawing/2014/main" id="{7A3DB74D-AE58-A949-9264-D0C83406CDDA}"/>
+              </a:ext>
+            </a:extLst>
+          </p:cNvPr>
+          <p:cNvSpPr>
+            <a:spLocks noGrp="1"/>
+          </p:cNvSpPr>
+          <p:nvPr>
+            <p:ph type="title"/>
+          </p:nvPr>
+        </p:nvSpPr>
+        <p:spPr/>
+        <p:txBody>
+          <a:bodyPr/>
+          <a:lstStyle/>
+          <a:p>
+            <a:r>
+              <a:rPr lang="en-US" dirty="0" err="1"/>
+              <a:t>TestComplete</a:t>
+            </a:r>
+            <a:r>
+              <a:rPr lang="en-US" dirty="0"/>
+              <a:t> Report Screenshots</a:t>
+            </a:r>
+          </a:p>
+        </p:txBody>
+      </p:sp>
+      <p:sp>
+        <p:nvSpPr>
+          <p:cNvPr id="3" name="Content Placeholder 2">
+            <a:extLst>
+              <a:ext uri="{FF2B5EF4-FFF2-40B4-BE49-F238E27FC236}">
+                <a16:creationId xmlns:a16="http://schemas.microsoft.com/office/drawing/2014/main" id="{F09B5BDE-B96C-6D21-8DD1-FC2043078579}"/>
+              </a:ext>
+            </a:extLst>
+          </p:cNvPr>
+          <p:cNvSpPr>
+            <a:spLocks noGrp="1"/>
+          </p:cNvSpPr>
+          <p:nvPr>
+            <p:ph idx="1"/>
+          </p:nvPr>
+        </p:nvSpPr>
+        <p:spPr/>
+        <p:txBody>
+          <a:bodyPr/>
+          <a:lstStyle/>
+          <a:p>
+            <a:endParaRPr lang="en-US"/>
+          </a:p>
+        </p:txBody>
+      </p:sp>
+    </p:spTree>
+    <p:extLst>
+      <p:ext uri="{BB962C8B-B14F-4D97-AF65-F5344CB8AC3E}">
+        <p14:creationId xmlns:p14="http://schemas.microsoft.com/office/powerpoint/2010/main" val="4165668162"/>
+      </p:ext>
+    </p:extLst>
+  </p:cSld>
+  <p:clrMapOvr>
+    <a:masterClrMapping/>
+  </p:clrMapOvr>
+</p:sld>
+</file>
+
+<file path=ppt/slides/slide7.xml><?xml version="1.0" encoding="utf-8"?>
+<p:sld xmlns:a="http://schemas.openxmlformats.org/drawingml/2006/main" xmlns:r="http://schemas.openxmlformats.org/officeDocument/2006/relationships" xmlns:p="http://schemas.openxmlformats.org/presentationml/2006/main">
+  <p:cSld>
+    <p:spTree>
+      <p:nvGrpSpPr>
+        <p:cNvPr id="1" name=""/>
+        <p:cNvGrpSpPr/>
+        <p:nvPr/>
+      </p:nvGrpSpPr>
+      <p:grpSpPr>
+        <a:xfrm>
+          <a:off x="0" y="0"/>
+          <a:ext cx="0" cy="0"/>
+          <a:chOff x="0" y="0"/>
+          <a:chExt cx="0" cy="0"/>
+        </a:xfrm>
+      </p:grpSpPr>
+      <p:sp>
+        <p:nvSpPr>
+          <p:cNvPr id="2" name="Title 1">
+            <a:extLst>
+              <a:ext uri="{FF2B5EF4-FFF2-40B4-BE49-F238E27FC236}">
                 <a16:creationId xmlns:a16="http://schemas.microsoft.com/office/drawing/2014/main" id="{604246BF-13F7-63D2-DA1A-C26AD21F361C}"/>
               </a:ext>
             </a:extLst>
@@ -4568,7 +5424,7 @@
 </p:sld>
 </file>
 
-<file path=ppt/slides/slide7.xml><?xml version="1.0" encoding="utf-8"?>
+<file path=ppt/slides/slide8.xml><?xml version="1.0" encoding="utf-8"?>
 <p:sld xmlns:a="http://schemas.openxmlformats.org/drawingml/2006/main" xmlns:r="http://schemas.openxmlformats.org/officeDocument/2006/relationships" xmlns:p="http://schemas.openxmlformats.org/presentationml/2006/main">
   <p:cSld>
     <p:spTree>

--- a/POCProjectSuite/Documents/TestCompletePOCPresentation.pptx
+++ b/POCProjectSuite/Documents/TestCompletePOCPresentation.pptx
@@ -7,8 +7,8 @@
   <p:sldIdLst>
     <p:sldId id="256" r:id="rId2"/>
     <p:sldId id="257" r:id="rId3"/>
-    <p:sldId id="258" r:id="rId4"/>
-    <p:sldId id="259" r:id="rId5"/>
+    <p:sldId id="259" r:id="rId4"/>
+    <p:sldId id="258" r:id="rId5"/>
     <p:sldId id="263" r:id="rId6"/>
     <p:sldId id="260" r:id="rId7"/>
     <p:sldId id="261" r:id="rId8"/>
@@ -131,8 +131,8 @@
 <pc:chgInfo xmlns:a="http://schemas.openxmlformats.org/drawingml/2006/main" xmlns:r="http://schemas.openxmlformats.org/officeDocument/2006/relationships" xmlns:ac="http://schemas.microsoft.com/office/drawing/2013/main/command" xmlns:pc="http://schemas.microsoft.com/office/powerpoint/2013/main/command">
   <pc:docChgLst>
     <pc:chgData name="srinaga penumarthi" userId="56e728ac2c354b87" providerId="LiveId" clId="{E74814FE-F8B0-4C75-AE50-A52B40D9AF52}"/>
-    <pc:docChg chg="undo custSel addSld modSld">
-      <pc:chgData name="srinaga penumarthi" userId="56e728ac2c354b87" providerId="LiveId" clId="{E74814FE-F8B0-4C75-AE50-A52B40D9AF52}" dt="2024-03-14T17:48:22.781" v="348" actId="113"/>
+    <pc:docChg chg="undo custSel addSld modSld sldOrd">
+      <pc:chgData name="srinaga penumarthi" userId="56e728ac2c354b87" providerId="LiveId" clId="{E74814FE-F8B0-4C75-AE50-A52B40D9AF52}" dt="2024-03-14T17:53:19.086" v="387" actId="20577"/>
       <pc:docMkLst>
         <pc:docMk/>
       </pc:docMkLst>
@@ -262,12 +262,20 @@
           </ac:picMkLst>
         </pc:picChg>
       </pc:sldChg>
-      <pc:sldChg chg="addSp delSp modSp add mod">
-        <pc:chgData name="srinaga penumarthi" userId="56e728ac2c354b87" providerId="LiveId" clId="{E74814FE-F8B0-4C75-AE50-A52B40D9AF52}" dt="2024-03-14T17:23:11.376" v="119" actId="1076"/>
+      <pc:sldChg chg="addSp delSp modSp add mod ord">
+        <pc:chgData name="srinaga penumarthi" userId="56e728ac2c354b87" providerId="LiveId" clId="{E74814FE-F8B0-4C75-AE50-A52B40D9AF52}" dt="2024-03-14T17:53:19.086" v="387" actId="20577"/>
         <pc:sldMkLst>
           <pc:docMk/>
           <pc:sldMk cId="1836248708" sldId="258"/>
         </pc:sldMkLst>
+        <pc:spChg chg="mod">
+          <ac:chgData name="srinaga penumarthi" userId="56e728ac2c354b87" providerId="LiveId" clId="{E74814FE-F8B0-4C75-AE50-A52B40D9AF52}" dt="2024-03-14T17:53:19.086" v="387" actId="20577"/>
+          <ac:spMkLst>
+            <pc:docMk/>
+            <pc:sldMk cId="1836248708" sldId="258"/>
+            <ac:spMk id="2" creationId="{FA01B415-7FF0-6EC6-76BA-F0AD2FD52BE8}"/>
+          </ac:spMkLst>
+        </pc:spChg>
         <pc:spChg chg="add mod">
           <ac:chgData name="srinaga penumarthi" userId="56e728ac2c354b87" providerId="LiveId" clId="{E74814FE-F8B0-4C75-AE50-A52B40D9AF52}" dt="2024-03-14T17:19:35.527" v="116" actId="27636"/>
           <ac:spMkLst>
@@ -284,8 +292,8 @@
             <ac:spMk id="4" creationId="{5E15140D-88BF-22B9-30E9-F5A2ABA5C6E2}"/>
           </ac:spMkLst>
         </pc:spChg>
-        <pc:picChg chg="add mod">
-          <ac:chgData name="srinaga penumarthi" userId="56e728ac2c354b87" providerId="LiveId" clId="{E74814FE-F8B0-4C75-AE50-A52B40D9AF52}" dt="2024-03-14T17:23:11.376" v="119" actId="1076"/>
+        <pc:picChg chg="add del mod">
+          <ac:chgData name="srinaga penumarthi" userId="56e728ac2c354b87" providerId="LiveId" clId="{E74814FE-F8B0-4C75-AE50-A52B40D9AF52}" dt="2024-03-14T17:52:50.482" v="349" actId="478"/>
           <ac:picMkLst>
             <pc:docMk/>
             <pc:sldMk cId="1836248708" sldId="258"/>
@@ -429,8 +437,8 @@
           </ac:picMkLst>
         </pc:picChg>
       </pc:sldChg>
-      <pc:sldChg chg="addSp delSp modSp add mod">
-        <pc:chgData name="srinaga penumarthi" userId="56e728ac2c354b87" providerId="LiveId" clId="{E74814FE-F8B0-4C75-AE50-A52B40D9AF52}" dt="2024-03-14T17:33:52.116" v="142" actId="1076"/>
+      <pc:sldChg chg="addSp delSp modSp add mod ord">
+        <pc:chgData name="srinaga penumarthi" userId="56e728ac2c354b87" providerId="LiveId" clId="{E74814FE-F8B0-4C75-AE50-A52B40D9AF52}" dt="2024-03-14T17:53:04.407" v="353"/>
         <pc:sldMkLst>
           <pc:docMk/>
           <pc:sldMk cId="1899127817" sldId="259"/>
@@ -4726,192 +4734,12 @@
           </a:p>
         </p:txBody>
       </p:sp>
-      <p:sp>
-        <p:nvSpPr>
-          <p:cNvPr id="3" name="Content Placeholder 2">
-            <a:extLst>
-              <a:ext uri="{FF2B5EF4-FFF2-40B4-BE49-F238E27FC236}">
-                <a16:creationId xmlns:a16="http://schemas.microsoft.com/office/drawing/2014/main" id="{9FB70626-2ACC-B661-B5F9-90261A0C8237}"/>
-              </a:ext>
-            </a:extLst>
-          </p:cNvPr>
-          <p:cNvSpPr>
-            <a:spLocks noGrp="1"/>
-          </p:cNvSpPr>
-          <p:nvPr>
-            <p:ph idx="1"/>
-          </p:nvPr>
-        </p:nvSpPr>
-        <p:spPr>
-          <a:xfrm>
-            <a:off x="278026" y="680565"/>
-            <a:ext cx="11724503" cy="5876753"/>
-          </a:xfrm>
-        </p:spPr>
-        <p:txBody>
-          <a:bodyPr>
-            <a:normAutofit/>
-          </a:bodyPr>
-          <a:lstStyle/>
-          <a:p>
-            <a:r>
-              <a:rPr lang="en-US" dirty="0"/>
-              <a:t>GUI Object Recognition Engine </a:t>
-            </a:r>
-            <a:r>
-              <a:rPr lang="en-US" b="1" i="0" dirty="0">
-                <a:solidFill>
-                  <a:srgbClr val="212529"/>
-                </a:solidFill>
-                <a:effectLst/>
-                <a:latin typeface="Roboto" panose="020F0502020204030204" pitchFamily="2" charset="0"/>
-              </a:rPr>
-              <a:t>now including Artificial Intelligence</a:t>
-            </a:r>
-          </a:p>
-          <a:p>
-            <a:pPr algn="l"/>
-            <a:r>
-              <a:rPr lang="en-US" b="0" i="0" dirty="0">
-                <a:solidFill>
-                  <a:srgbClr val="173647"/>
-                </a:solidFill>
-                <a:effectLst/>
-                <a:latin typeface="inherit"/>
-              </a:rPr>
-              <a:t>Easy UI Testing with Support for Over 500 Controls and 3rd Party Frameworks</a:t>
-            </a:r>
-          </a:p>
-          <a:p>
-            <a:pPr algn="l"/>
-            <a:r>
-              <a:rPr lang="en-US" b="0" i="0" dirty="0">
-                <a:solidFill>
-                  <a:srgbClr val="758491"/>
-                </a:solidFill>
-                <a:effectLst/>
-                <a:latin typeface="Open Sans" panose="020B0606030504020204" pitchFamily="34" charset="0"/>
-              </a:rPr>
-              <a:t>Find dynamic UI elements quickly, easily, and accurately with </a:t>
-            </a:r>
-            <a:r>
-              <a:rPr lang="en-US" b="0" i="0" dirty="0" err="1">
-                <a:solidFill>
-                  <a:srgbClr val="758491"/>
-                </a:solidFill>
-                <a:effectLst/>
-                <a:latin typeface="Open Sans" panose="020B0606030504020204" pitchFamily="34" charset="0"/>
-              </a:rPr>
-              <a:t>TestComplete</a:t>
-            </a:r>
-            <a:r>
-              <a:rPr lang="en-US" b="0" i="0" dirty="0">
-                <a:solidFill>
-                  <a:srgbClr val="758491"/>
-                </a:solidFill>
-                <a:effectLst/>
-                <a:latin typeface="Open Sans" panose="020B0606030504020204" pitchFamily="34" charset="0"/>
-              </a:rPr>
-              <a:t>. The tool comes with built-in support for over 500 </a:t>
-            </a:r>
-            <a:r>
-              <a:rPr lang="en-US" b="0" i="0" u="none" strike="noStrike" dirty="0">
-                <a:solidFill>
-                  <a:srgbClr val="097EB2"/>
-                </a:solidFill>
-                <a:effectLst/>
-                <a:latin typeface="Open Sans" panose="020B0606030504020204" pitchFamily="34" charset="0"/>
-                <a:hlinkClick r:id="rId2"/>
-              </a:rPr>
-              <a:t>desktop</a:t>
-            </a:r>
-            <a:r>
-              <a:rPr lang="en-US" b="0" i="0" dirty="0">
-                <a:solidFill>
-                  <a:srgbClr val="758491"/>
-                </a:solidFill>
-                <a:effectLst/>
-                <a:latin typeface="Open Sans" panose="020B0606030504020204" pitchFamily="34" charset="0"/>
-              </a:rPr>
-              <a:t>, </a:t>
-            </a:r>
-            <a:r>
-              <a:rPr lang="en-US" b="0" i="0" u="none" strike="noStrike" dirty="0">
-                <a:solidFill>
-                  <a:srgbClr val="097EB2"/>
-                </a:solidFill>
-                <a:effectLst/>
-                <a:latin typeface="Open Sans" panose="020B0606030504020204" pitchFamily="34" charset="0"/>
-                <a:hlinkClick r:id="rId3"/>
-              </a:rPr>
-              <a:t>web,</a:t>
-            </a:r>
-            <a:r>
-              <a:rPr lang="en-US" b="0" i="0" dirty="0">
-                <a:solidFill>
-                  <a:srgbClr val="758491"/>
-                </a:solidFill>
-                <a:effectLst/>
-                <a:latin typeface="Open Sans" panose="020B0606030504020204" pitchFamily="34" charset="0"/>
-              </a:rPr>
-              <a:t> and </a:t>
-            </a:r>
-            <a:r>
-              <a:rPr lang="en-US" b="0" i="0" u="none" strike="noStrike" dirty="0">
-                <a:solidFill>
-                  <a:srgbClr val="097EB2"/>
-                </a:solidFill>
-                <a:effectLst/>
-                <a:latin typeface="Open Sans" panose="020B0606030504020204" pitchFamily="34" charset="0"/>
-                <a:hlinkClick r:id="rId4"/>
-              </a:rPr>
-              <a:t>mobile</a:t>
-            </a:r>
-            <a:r>
-              <a:rPr lang="en-US" b="0" i="0" dirty="0">
-                <a:solidFill>
-                  <a:srgbClr val="758491"/>
-                </a:solidFill>
-                <a:effectLst/>
-                <a:latin typeface="Open Sans" panose="020B0606030504020204" pitchFamily="34" charset="0"/>
-              </a:rPr>
-              <a:t> technologies including Windows, Java, AJAX, WPF, and HTML5 among others, as well as controls and 3rd party frameworks such as React and Angular.</a:t>
-            </a:r>
-          </a:p>
-          <a:p>
-            <a:pPr algn="l"/>
-            <a:r>
-              <a:rPr lang="en-US" b="0" i="0" dirty="0">
-                <a:solidFill>
-                  <a:srgbClr val="758491"/>
-                </a:solidFill>
-                <a:effectLst/>
-                <a:latin typeface="Open Sans" panose="020B0606030504020204" pitchFamily="34" charset="0"/>
-              </a:rPr>
-              <a:t>Our powerful object recognition algorithm with artificial intelligence will enable you to identify elements across any technology and will work irrespective of the device screen size, resolution, or language configuration.</a:t>
-            </a:r>
-          </a:p>
-          <a:p>
-            <a:pPr algn="l"/>
-            <a:endParaRPr lang="en-US" b="0" i="0" dirty="0">
-              <a:solidFill>
-                <a:srgbClr val="758491"/>
-              </a:solidFill>
-              <a:effectLst/>
-              <a:latin typeface="Open Sans" panose="020B0606030504020204" pitchFamily="34" charset="0"/>
-            </a:endParaRPr>
-          </a:p>
-          <a:p>
-            <a:endParaRPr lang="en-US" dirty="0"/>
-          </a:p>
-        </p:txBody>
-      </p:sp>
       <p:pic>
         <p:nvPicPr>
-          <p:cNvPr id="6" name="Picture 5">
-            <a:extLst>
-              <a:ext uri="{FF2B5EF4-FFF2-40B4-BE49-F238E27FC236}">
-                <a16:creationId xmlns:a16="http://schemas.microsoft.com/office/drawing/2014/main" id="{866FE893-B582-113E-DD34-82A4B14A1AB9}"/>
+          <p:cNvPr id="8" name="Picture 7">
+            <a:extLst>
+              <a:ext uri="{FF2B5EF4-FFF2-40B4-BE49-F238E27FC236}">
+                <a16:creationId xmlns:a16="http://schemas.microsoft.com/office/drawing/2014/main" id="{F8472A68-53BB-3FAF-63F4-9729A2BC7611}"/>
               </a:ext>
             </a:extLst>
           </p:cNvPr>
@@ -4921,15 +4749,45 @@
           <p:nvPr/>
         </p:nvPicPr>
         <p:blipFill>
-          <a:blip r:embed="rId5"/>
+          <a:blip r:embed="rId2"/>
           <a:stretch>
             <a:fillRect/>
           </a:stretch>
         </p:blipFill>
         <p:spPr>
           <a:xfrm>
-            <a:off x="555342" y="5357000"/>
-            <a:ext cx="9716856" cy="1200318"/>
+            <a:off x="626340" y="652225"/>
+            <a:ext cx="10136015" cy="3162741"/>
+          </a:xfrm>
+          <a:prstGeom prst="rect">
+            <a:avLst/>
+          </a:prstGeom>
+        </p:spPr>
+      </p:pic>
+      <p:pic>
+        <p:nvPicPr>
+          <p:cNvPr id="10" name="Picture 9">
+            <a:extLst>
+              <a:ext uri="{FF2B5EF4-FFF2-40B4-BE49-F238E27FC236}">
+                <a16:creationId xmlns:a16="http://schemas.microsoft.com/office/drawing/2014/main" id="{A479ADE1-DB9B-2436-701E-1688EF003CFD}"/>
+              </a:ext>
+            </a:extLst>
+          </p:cNvPr>
+          <p:cNvPicPr>
+            <a:picLocks noChangeAspect="1"/>
+          </p:cNvPicPr>
+          <p:nvPr/>
+        </p:nvPicPr>
+        <p:blipFill>
+          <a:blip r:embed="rId3"/>
+          <a:stretch>
+            <a:fillRect/>
+          </a:stretch>
+        </p:blipFill>
+        <p:spPr>
+          <a:xfrm>
+            <a:off x="626340" y="3429000"/>
+            <a:ext cx="10240804" cy="3277057"/>
           </a:xfrm>
           <a:prstGeom prst="rect">
             <a:avLst/>
@@ -4939,7 +4797,7 @@
     </p:spTree>
     <p:extLst>
       <p:ext uri="{BB962C8B-B14F-4D97-AF65-F5344CB8AC3E}">
-        <p14:creationId xmlns:p14="http://schemas.microsoft.com/office/powerpoint/2010/main" val="1836248708"/>
+        <p14:creationId xmlns:p14="http://schemas.microsoft.com/office/powerpoint/2010/main" val="1899127817"/>
       </p:ext>
     </p:extLst>
   </p:cSld>
@@ -5001,75 +4859,200 @@
             </a:r>
             <a:r>
               <a:rPr lang="en-US" dirty="0"/>
-              <a:t> Features</a:t>
-            </a:r>
-          </a:p>
-        </p:txBody>
-      </p:sp>
-      <p:pic>
-        <p:nvPicPr>
-          <p:cNvPr id="8" name="Picture 7">
-            <a:extLst>
-              <a:ext uri="{FF2B5EF4-FFF2-40B4-BE49-F238E27FC236}">
-                <a16:creationId xmlns:a16="http://schemas.microsoft.com/office/drawing/2014/main" id="{F8472A68-53BB-3FAF-63F4-9729A2BC7611}"/>
-              </a:ext>
-            </a:extLst>
-          </p:cNvPr>
-          <p:cNvPicPr>
-            <a:picLocks noChangeAspect="1"/>
-          </p:cNvPicPr>
-          <p:nvPr/>
-        </p:nvPicPr>
-        <p:blipFill>
-          <a:blip r:embed="rId2"/>
-          <a:stretch>
-            <a:fillRect/>
-          </a:stretch>
-        </p:blipFill>
+              <a:t> </a:t>
+            </a:r>
+            <a:r>
+              <a:rPr lang="en-US"/>
+              <a:t>Object Recognition</a:t>
+            </a:r>
+            <a:endParaRPr lang="en-US" dirty="0"/>
+          </a:p>
+        </p:txBody>
+      </p:sp>
+      <p:sp>
+        <p:nvSpPr>
+          <p:cNvPr id="3" name="Content Placeholder 2">
+            <a:extLst>
+              <a:ext uri="{FF2B5EF4-FFF2-40B4-BE49-F238E27FC236}">
+                <a16:creationId xmlns:a16="http://schemas.microsoft.com/office/drawing/2014/main" id="{9FB70626-2ACC-B661-B5F9-90261A0C8237}"/>
+              </a:ext>
+            </a:extLst>
+          </p:cNvPr>
+          <p:cNvSpPr>
+            <a:spLocks noGrp="1"/>
+          </p:cNvSpPr>
+          <p:nvPr>
+            <p:ph idx="1"/>
+          </p:nvPr>
+        </p:nvSpPr>
         <p:spPr>
           <a:xfrm>
-            <a:off x="626340" y="652225"/>
-            <a:ext cx="10136015" cy="3162741"/>
+            <a:off x="278026" y="680565"/>
+            <a:ext cx="11724503" cy="5876753"/>
           </a:xfrm>
-          <a:prstGeom prst="rect">
-            <a:avLst/>
-          </a:prstGeom>
         </p:spPr>
-      </p:pic>
-      <p:pic>
-        <p:nvPicPr>
-          <p:cNvPr id="10" name="Picture 9">
-            <a:extLst>
-              <a:ext uri="{FF2B5EF4-FFF2-40B4-BE49-F238E27FC236}">
-                <a16:creationId xmlns:a16="http://schemas.microsoft.com/office/drawing/2014/main" id="{A479ADE1-DB9B-2436-701E-1688EF003CFD}"/>
-              </a:ext>
-            </a:extLst>
-          </p:cNvPr>
-          <p:cNvPicPr>
-            <a:picLocks noChangeAspect="1"/>
-          </p:cNvPicPr>
-          <p:nvPr/>
-        </p:nvPicPr>
-        <p:blipFill>
-          <a:blip r:embed="rId3"/>
-          <a:stretch>
-            <a:fillRect/>
-          </a:stretch>
-        </p:blipFill>
-        <p:spPr>
-          <a:xfrm>
-            <a:off x="626340" y="3429000"/>
-            <a:ext cx="10240804" cy="3277057"/>
-          </a:xfrm>
-          <a:prstGeom prst="rect">
-            <a:avLst/>
-          </a:prstGeom>
-        </p:spPr>
-      </p:pic>
+        <p:txBody>
+          <a:bodyPr>
+            <a:normAutofit/>
+          </a:bodyPr>
+          <a:lstStyle/>
+          <a:p>
+            <a:r>
+              <a:rPr lang="en-US" dirty="0"/>
+              <a:t>GUI Object Recognition Engine </a:t>
+            </a:r>
+            <a:r>
+              <a:rPr lang="en-US" b="1" i="0" dirty="0">
+                <a:solidFill>
+                  <a:srgbClr val="212529"/>
+                </a:solidFill>
+                <a:effectLst/>
+                <a:latin typeface="Roboto" panose="020F0502020204030204" pitchFamily="2" charset="0"/>
+              </a:rPr>
+              <a:t>now including Artificial Intelligence</a:t>
+            </a:r>
+          </a:p>
+          <a:p>
+            <a:pPr algn="l"/>
+            <a:r>
+              <a:rPr lang="en-US" b="0" i="0" dirty="0">
+                <a:solidFill>
+                  <a:srgbClr val="173647"/>
+                </a:solidFill>
+                <a:effectLst/>
+                <a:latin typeface="inherit"/>
+              </a:rPr>
+              <a:t>Easy UI Testing with Support for Over 500 Controls and 3rd Party Frameworks</a:t>
+            </a:r>
+          </a:p>
+          <a:p>
+            <a:pPr algn="l"/>
+            <a:r>
+              <a:rPr lang="en-US" b="0" i="0" dirty="0">
+                <a:solidFill>
+                  <a:srgbClr val="758491"/>
+                </a:solidFill>
+                <a:effectLst/>
+                <a:latin typeface="Open Sans" panose="020B0606030504020204" pitchFamily="34" charset="0"/>
+              </a:rPr>
+              <a:t>Find dynamic UI elements quickly, easily, and accurately with </a:t>
+            </a:r>
+            <a:r>
+              <a:rPr lang="en-US" b="0" i="0" dirty="0" err="1">
+                <a:solidFill>
+                  <a:srgbClr val="758491"/>
+                </a:solidFill>
+                <a:effectLst/>
+                <a:latin typeface="Open Sans" panose="020B0606030504020204" pitchFamily="34" charset="0"/>
+              </a:rPr>
+              <a:t>TestComplete</a:t>
+            </a:r>
+            <a:r>
+              <a:rPr lang="en-US" b="0" i="0" dirty="0">
+                <a:solidFill>
+                  <a:srgbClr val="758491"/>
+                </a:solidFill>
+                <a:effectLst/>
+                <a:latin typeface="Open Sans" panose="020B0606030504020204" pitchFamily="34" charset="0"/>
+              </a:rPr>
+              <a:t>. The tool comes with built-in support for over 500 </a:t>
+            </a:r>
+            <a:r>
+              <a:rPr lang="en-US" b="0" i="0" u="none" strike="noStrike" dirty="0">
+                <a:solidFill>
+                  <a:srgbClr val="097EB2"/>
+                </a:solidFill>
+                <a:effectLst/>
+                <a:latin typeface="Open Sans" panose="020B0606030504020204" pitchFamily="34" charset="0"/>
+                <a:hlinkClick r:id="rId2"/>
+              </a:rPr>
+              <a:t>desktop</a:t>
+            </a:r>
+            <a:r>
+              <a:rPr lang="en-US" b="0" i="0" dirty="0">
+                <a:solidFill>
+                  <a:srgbClr val="758491"/>
+                </a:solidFill>
+                <a:effectLst/>
+                <a:latin typeface="Open Sans" panose="020B0606030504020204" pitchFamily="34" charset="0"/>
+              </a:rPr>
+              <a:t>, </a:t>
+            </a:r>
+            <a:r>
+              <a:rPr lang="en-US" b="0" i="0" u="none" strike="noStrike" dirty="0">
+                <a:solidFill>
+                  <a:srgbClr val="097EB2"/>
+                </a:solidFill>
+                <a:effectLst/>
+                <a:latin typeface="Open Sans" panose="020B0606030504020204" pitchFamily="34" charset="0"/>
+                <a:hlinkClick r:id="rId3"/>
+              </a:rPr>
+              <a:t>web,</a:t>
+            </a:r>
+            <a:r>
+              <a:rPr lang="en-US" b="0" i="0" dirty="0">
+                <a:solidFill>
+                  <a:srgbClr val="758491"/>
+                </a:solidFill>
+                <a:effectLst/>
+                <a:latin typeface="Open Sans" panose="020B0606030504020204" pitchFamily="34" charset="0"/>
+              </a:rPr>
+              <a:t> and </a:t>
+            </a:r>
+            <a:r>
+              <a:rPr lang="en-US" b="0" i="0" u="none" strike="noStrike" dirty="0">
+                <a:solidFill>
+                  <a:srgbClr val="097EB2"/>
+                </a:solidFill>
+                <a:effectLst/>
+                <a:latin typeface="Open Sans" panose="020B0606030504020204" pitchFamily="34" charset="0"/>
+                <a:hlinkClick r:id="rId4"/>
+              </a:rPr>
+              <a:t>mobile</a:t>
+            </a:r>
+            <a:r>
+              <a:rPr lang="en-US" b="0" i="0" dirty="0">
+                <a:solidFill>
+                  <a:srgbClr val="758491"/>
+                </a:solidFill>
+                <a:effectLst/>
+                <a:latin typeface="Open Sans" panose="020B0606030504020204" pitchFamily="34" charset="0"/>
+              </a:rPr>
+              <a:t> technologies including Windows, Java, AJAX, WPF, and HTML5 among others, as well as controls and 3rd party frameworks such as React and Angular.</a:t>
+            </a:r>
+          </a:p>
+          <a:p>
+            <a:pPr algn="l"/>
+            <a:r>
+              <a:rPr lang="en-US" b="0" i="0" dirty="0">
+                <a:solidFill>
+                  <a:srgbClr val="758491"/>
+                </a:solidFill>
+                <a:effectLst/>
+                <a:latin typeface="Open Sans" panose="020B0606030504020204" pitchFamily="34" charset="0"/>
+              </a:rPr>
+              <a:t>Our powerful object recognition algorithm with artificial intelligence will enable you to identify elements across any technology and will work irrespective of the device screen size, resolution, or language configuration.</a:t>
+            </a:r>
+          </a:p>
+          <a:p>
+            <a:pPr algn="l"/>
+            <a:endParaRPr lang="en-US" b="0" i="0" dirty="0">
+              <a:solidFill>
+                <a:srgbClr val="758491"/>
+              </a:solidFill>
+              <a:effectLst/>
+              <a:latin typeface="Open Sans" panose="020B0606030504020204" pitchFamily="34" charset="0"/>
+            </a:endParaRPr>
+          </a:p>
+          <a:p>
+            <a:endParaRPr lang="en-US" dirty="0"/>
+          </a:p>
+        </p:txBody>
+      </p:sp>
     </p:spTree>
     <p:extLst>
       <p:ext uri="{BB962C8B-B14F-4D97-AF65-F5344CB8AC3E}">
-        <p14:creationId xmlns:p14="http://schemas.microsoft.com/office/powerpoint/2010/main" val="1899127817"/>
+        <p14:creationId xmlns:p14="http://schemas.microsoft.com/office/powerpoint/2010/main" val="1836248708"/>
       </p:ext>
     </p:extLst>
   </p:cSld>

--- a/POCProjectSuite/Documents/TestCompletePOCPresentation.pptx
+++ b/POCProjectSuite/Documents/TestCompletePOCPresentation.pptx
@@ -122,7 +122,7 @@
 <file path=ppt/revisionInfo.xml><?xml version="1.0" encoding="utf-8"?>
 <p1510:revInfo xmlns:a="http://schemas.openxmlformats.org/drawingml/2006/main" xmlns:r="http://schemas.openxmlformats.org/officeDocument/2006/relationships" xmlns:p1510="http://schemas.microsoft.com/office/powerpoint/2015/10/main">
   <p1510:revLst>
-    <p1510:client id="{E74814FE-F8B0-4C75-AE50-A52B40D9AF52}" v="25" dt="2024-03-14T17:43:54.455"/>
+    <p1510:client id="{E74814FE-F8B0-4C75-AE50-A52B40D9AF52}" v="36" dt="2024-03-14T18:02:59.563"/>
   </p1510:revLst>
 </p1510:revInfo>
 </file>
@@ -132,7 +132,7 @@
   <pc:docChgLst>
     <pc:chgData name="srinaga penumarthi" userId="56e728ac2c354b87" providerId="LiveId" clId="{E74814FE-F8B0-4C75-AE50-A52B40D9AF52}"/>
     <pc:docChg chg="undo custSel addSld modSld sldOrd">
-      <pc:chgData name="srinaga penumarthi" userId="56e728ac2c354b87" providerId="LiveId" clId="{E74814FE-F8B0-4C75-AE50-A52B40D9AF52}" dt="2024-03-14T17:53:19.086" v="387" actId="20577"/>
+      <pc:chgData name="srinaga penumarthi" userId="56e728ac2c354b87" providerId="LiveId" clId="{E74814FE-F8B0-4C75-AE50-A52B40D9AF52}" dt="2024-03-14T18:03:03.911" v="462" actId="20577"/>
       <pc:docMkLst>
         <pc:docMk/>
       </pc:docMkLst>
@@ -152,7 +152,7 @@
         </pc:spChg>
       </pc:sldChg>
       <pc:sldChg chg="addSp delSp modSp new mod setBg">
-        <pc:chgData name="srinaga penumarthi" userId="56e728ac2c354b87" providerId="LiveId" clId="{E74814FE-F8B0-4C75-AE50-A52B40D9AF52}" dt="2024-03-14T17:24:42.567" v="134" actId="1076"/>
+        <pc:chgData name="srinaga penumarthi" userId="56e728ac2c354b87" providerId="LiveId" clId="{E74814FE-F8B0-4C75-AE50-A52B40D9AF52}" dt="2024-03-14T18:03:03.911" v="462" actId="20577"/>
         <pc:sldMkLst>
           <pc:docMk/>
           <pc:sldMk cId="2958789298" sldId="257"/>
@@ -165,12 +165,28 @@
             <ac:spMk id="2" creationId="{FA01B415-7FF0-6EC6-76BA-F0AD2FD52BE8}"/>
           </ac:spMkLst>
         </pc:spChg>
+        <pc:spChg chg="add mod">
+          <ac:chgData name="srinaga penumarthi" userId="56e728ac2c354b87" providerId="LiveId" clId="{E74814FE-F8B0-4C75-AE50-A52B40D9AF52}" dt="2024-03-14T18:02:46.149" v="441" actId="20577"/>
+          <ac:spMkLst>
+            <pc:docMk/>
+            <pc:sldMk cId="2958789298" sldId="257"/>
+            <ac:spMk id="3" creationId="{50D8C088-7976-42E4-13EA-69BC31DCA8BD}"/>
+          </ac:spMkLst>
+        </pc:spChg>
         <pc:spChg chg="del">
           <ac:chgData name="srinaga penumarthi" userId="56e728ac2c354b87" providerId="LiveId" clId="{E74814FE-F8B0-4C75-AE50-A52B40D9AF52}" dt="2024-03-14T17:13:55.236" v="39"/>
           <ac:spMkLst>
             <pc:docMk/>
             <pc:sldMk cId="2958789298" sldId="257"/>
             <ac:spMk id="3" creationId="{7A853891-97DF-EB0D-D62E-5A190E776FAE}"/>
+          </ac:spMkLst>
+        </pc:spChg>
+        <pc:spChg chg="add mod">
+          <ac:chgData name="srinaga penumarthi" userId="56e728ac2c354b87" providerId="LiveId" clId="{E74814FE-F8B0-4C75-AE50-A52B40D9AF52}" dt="2024-03-14T18:03:03.911" v="462" actId="20577"/>
+          <ac:spMkLst>
+            <pc:docMk/>
+            <pc:sldMk cId="2958789298" sldId="257"/>
+            <ac:spMk id="4" creationId="{0B9B7121-AF1D-CB62-6D72-54298A3B21C3}"/>
           </ac:spMkLst>
         </pc:spChg>
         <pc:spChg chg="add del mod">
@@ -246,7 +262,7 @@
           </ac:spMkLst>
         </pc:spChg>
         <pc:picChg chg="add mod ord">
-          <ac:chgData name="srinaga penumarthi" userId="56e728ac2c354b87" providerId="LiveId" clId="{E74814FE-F8B0-4C75-AE50-A52B40D9AF52}" dt="2024-03-14T17:24:36.264" v="133" actId="26606"/>
+          <ac:chgData name="srinaga penumarthi" userId="56e728ac2c354b87" providerId="LiveId" clId="{E74814FE-F8B0-4C75-AE50-A52B40D9AF52}" dt="2024-03-14T18:02:53.642" v="443" actId="1076"/>
           <ac:picMkLst>
             <pc:docMk/>
             <pc:sldMk cId="2958789298" sldId="257"/>
@@ -259,6 +275,14 @@
             <pc:docMk/>
             <pc:sldMk cId="2958789298" sldId="257"/>
             <ac:picMk id="13" creationId="{E1800C04-2B82-2143-30C2-FCDB7C60023E}"/>
+          </ac:picMkLst>
+        </pc:picChg>
+        <pc:picChg chg="add mod">
+          <ac:chgData name="srinaga penumarthi" userId="56e728ac2c354b87" providerId="LiveId" clId="{E74814FE-F8B0-4C75-AE50-A52B40D9AF52}" dt="2024-03-14T18:02:13.813" v="393" actId="1076"/>
+          <ac:picMkLst>
+            <pc:docMk/>
+            <pc:sldMk cId="2958789298" sldId="257"/>
+            <ac:picMk id="1026" creationId="{A8E9710A-694F-366C-D006-3E8ED017318E}"/>
           </ac:picMkLst>
         </pc:picChg>
       </pc:sldChg>
@@ -4575,8 +4599,8 @@
         </p:blipFill>
         <p:spPr bwMode="auto">
           <a:xfrm>
-            <a:off x="4528846" y="1461031"/>
-            <a:ext cx="7232750" cy="4351338"/>
+            <a:off x="6724252" y="805477"/>
+            <a:ext cx="4297403" cy="2585386"/>
           </a:xfrm>
           <a:prstGeom prst="rect">
             <a:avLst/>
@@ -4664,6 +4688,123 @@
           </a:prstGeom>
         </p:spPr>
       </p:pic>
+      <p:pic>
+        <p:nvPicPr>
+          <p:cNvPr id="1026" name="Picture 2" descr="TestComplete Continuous Testing">
+            <a:extLst>
+              <a:ext uri="{FF2B5EF4-FFF2-40B4-BE49-F238E27FC236}">
+                <a16:creationId xmlns:a16="http://schemas.microsoft.com/office/drawing/2014/main" id="{A8E9710A-694F-366C-D006-3E8ED017318E}"/>
+              </a:ext>
+            </a:extLst>
+          </p:cNvPr>
+          <p:cNvPicPr>
+            <a:picLocks noChangeAspect="1" noChangeArrowheads="1"/>
+          </p:cNvPicPr>
+          <p:nvPr/>
+        </p:nvPicPr>
+        <p:blipFill>
+          <a:blip r:embed="rId5">
+            <a:extLst>
+              <a:ext uri="{28A0092B-C50C-407E-A947-70E740481C1C}">
+                <a14:useLocalDpi xmlns:a14="http://schemas.microsoft.com/office/drawing/2010/main" val="0"/>
+              </a:ext>
+            </a:extLst>
+          </a:blip>
+          <a:srcRect/>
+          <a:stretch>
+            <a:fillRect/>
+          </a:stretch>
+        </p:blipFill>
+        <p:spPr bwMode="auto">
+          <a:xfrm>
+            <a:off x="4084889" y="4001650"/>
+            <a:ext cx="7243985" cy="2249597"/>
+          </a:xfrm>
+          <a:prstGeom prst="rect">
+            <a:avLst/>
+          </a:prstGeom>
+          <a:noFill/>
+          <a:extLst>
+            <a:ext uri="{909E8E84-426E-40DD-AFC4-6F175D3DCCD1}">
+              <a14:hiddenFill xmlns:a14="http://schemas.microsoft.com/office/drawing/2010/main">
+                <a:solidFill>
+                  <a:srgbClr val="FFFFFF"/>
+                </a:solidFill>
+              </a14:hiddenFill>
+            </a:ext>
+          </a:extLst>
+        </p:spPr>
+      </p:pic>
+      <p:sp>
+        <p:nvSpPr>
+          <p:cNvPr id="3" name="TextBox 2">
+            <a:extLst>
+              <a:ext uri="{FF2B5EF4-FFF2-40B4-BE49-F238E27FC236}">
+                <a16:creationId xmlns:a16="http://schemas.microsoft.com/office/drawing/2014/main" id="{50D8C088-7976-42E4-13EA-69BC31DCA8BD}"/>
+              </a:ext>
+            </a:extLst>
+          </p:cNvPr>
+          <p:cNvSpPr txBox="1"/>
+          <p:nvPr/>
+        </p:nvSpPr>
+        <p:spPr>
+          <a:xfrm>
+            <a:off x="7494662" y="546932"/>
+            <a:ext cx="3179035" cy="369332"/>
+          </a:xfrm>
+          <a:prstGeom prst="rect">
+            <a:avLst/>
+          </a:prstGeom>
+          <a:noFill/>
+        </p:spPr>
+        <p:txBody>
+          <a:bodyPr wrap="square" rtlCol="0">
+            <a:spAutoFit/>
+          </a:bodyPr>
+          <a:lstStyle/>
+          <a:p>
+            <a:r>
+              <a:rPr lang="en-US" dirty="0"/>
+              <a:t>Integration Capabilities</a:t>
+            </a:r>
+          </a:p>
+        </p:txBody>
+      </p:sp>
+      <p:sp>
+        <p:nvSpPr>
+          <p:cNvPr id="4" name="TextBox 3">
+            <a:extLst>
+              <a:ext uri="{FF2B5EF4-FFF2-40B4-BE49-F238E27FC236}">
+                <a16:creationId xmlns:a16="http://schemas.microsoft.com/office/drawing/2014/main" id="{0B9B7121-AF1D-CB62-6D72-54298A3B21C3}"/>
+              </a:ext>
+            </a:extLst>
+          </p:cNvPr>
+          <p:cNvSpPr txBox="1"/>
+          <p:nvPr/>
+        </p:nvSpPr>
+        <p:spPr>
+          <a:xfrm>
+            <a:off x="5563312" y="3765205"/>
+            <a:ext cx="4580546" cy="369332"/>
+          </a:xfrm>
+          <a:prstGeom prst="rect">
+            <a:avLst/>
+          </a:prstGeom>
+          <a:noFill/>
+        </p:spPr>
+        <p:txBody>
+          <a:bodyPr wrap="square" rtlCol="0">
+            <a:spAutoFit/>
+          </a:bodyPr>
+          <a:lstStyle/>
+          <a:p>
+            <a:r>
+              <a:rPr lang="en-US" dirty="0"/>
+              <a:t>Continuous Testing</a:t>
+            </a:r>
+          </a:p>
+        </p:txBody>
+      </p:sp>
     </p:spTree>
     <p:extLst>
       <p:ext uri="{BB962C8B-B14F-4D97-AF65-F5344CB8AC3E}">
